--- a/movie.pptx
+++ b/movie.pptx
@@ -5,17 +5,18 @@
     <p:sldMasterId id="2147483795" r:id="rId2"/>
   </p:sldMasterIdLst>
   <p:notesMasterIdLst>
-    <p:notesMasterId r:id="rId8"/>
+    <p:notesMasterId r:id="rId9"/>
   </p:notesMasterIdLst>
   <p:handoutMasterIdLst>
-    <p:handoutMasterId r:id="rId9"/>
+    <p:handoutMasterId r:id="rId10"/>
   </p:handoutMasterIdLst>
   <p:sldIdLst>
     <p:sldId id="267" r:id="rId3"/>
     <p:sldId id="276" r:id="rId4"/>
     <p:sldId id="268" r:id="rId5"/>
-    <p:sldId id="275" r:id="rId6"/>
-    <p:sldId id="277" r:id="rId7"/>
+    <p:sldId id="278" r:id="rId6"/>
+    <p:sldId id="279" r:id="rId7"/>
+    <p:sldId id="275" r:id="rId8"/>
   </p:sldIdLst>
   <p:sldSz cx="12188825" cy="6858000"/>
   <p:notesSz cx="6858000" cy="9144000"/>
@@ -5759,7 +5760,7 @@
             <a:pPr fontAlgn="base"/>
             <a:r>
               <a:rPr lang="en-US" dirty="0"/>
-              <a:t>Metadata on over 45,000 movies. 26 million ratings from over 270,000 users.</a:t>
+              <a:t>Metadata on over 45,000 movies. </a:t>
             </a:r>
           </a:p>
         </p:txBody>
@@ -6674,6 +6675,36 @@
           </a:p>
         </p:txBody>
       </p:sp>
+      <p:pic>
+        <p:nvPicPr>
+          <p:cNvPr id="2" name="Picture 1">
+            <a:extLst>
+              <a:ext uri="{FF2B5EF4-FFF2-40B4-BE49-F238E27FC236}">
+                <a16:creationId xmlns:a16="http://schemas.microsoft.com/office/drawing/2014/main" id="{F76BF4E8-4A91-4910-9044-F57C289FCFA2}"/>
+              </a:ext>
+            </a:extLst>
+          </p:cNvPr>
+          <p:cNvPicPr>
+            <a:picLocks noChangeAspect="1"/>
+          </p:cNvPicPr>
+          <p:nvPr/>
+        </p:nvPicPr>
+        <p:blipFill>
+          <a:blip r:embed="rId2"/>
+          <a:stretch>
+            <a:fillRect/>
+          </a:stretch>
+        </p:blipFill>
+        <p:spPr>
+          <a:xfrm>
+            <a:off x="962019" y="3506508"/>
+            <a:ext cx="4429125" cy="1704975"/>
+          </a:xfrm>
+          <a:prstGeom prst="rect">
+            <a:avLst/>
+          </a:prstGeom>
+        </p:spPr>
+      </p:pic>
     </p:spTree>
     <p:extLst>
       <p:ext uri="{BB962C8B-B14F-4D97-AF65-F5344CB8AC3E}">
@@ -6718,18 +6749,6 @@
       </p:grpSpPr>
       <p:sp>
         <p:nvSpPr>
-          <p:cNvPr id="4" name="Picture Placeholder 3" title="Picture placeholder"/>
-          <p:cNvSpPr>
-            <a:spLocks noGrp="1"/>
-          </p:cNvSpPr>
-          <p:nvPr>
-            <p:ph type="pic" idx="1"/>
-          </p:nvPr>
-        </p:nvSpPr>
-        <p:spPr/>
-      </p:sp>
-      <p:sp>
-        <p:nvSpPr>
           <p:cNvPr id="13" name="Content Placeholder 12"/>
           <p:cNvSpPr>
             <a:spLocks noGrp="1"/>
@@ -6744,39 +6763,26 @@
           <a:lstStyle/>
           <a:p>
             <a:r>
-              <a:rPr lang="en-US"/>
-              <a:t>Where was Coretta Scott King born?</a:t>
-            </a:r>
-          </a:p>
-          <a:p>
-            <a:r>
-              <a:rPr lang="en-US"/>
-              <a:t>What did her parents do?</a:t>
-            </a:r>
-          </a:p>
-          <a:p>
-            <a:r>
-              <a:rPr lang="en-US"/>
-              <a:t>Did she experience prejudice or injustice because of her race when she was a child?</a:t>
-            </a:r>
-          </a:p>
-          <a:p>
-            <a:r>
-              <a:rPr lang="en-US"/>
-              <a:t>What kind of a student was she?</a:t>
-            </a:r>
-          </a:p>
-          <a:p>
-            <a:r>
-              <a:rPr lang="en-US"/>
-              <a:t>What were her interests?</a:t>
-            </a:r>
-          </a:p>
-          <a:p>
-            <a:r>
-              <a:rPr lang="en-US"/>
-              <a:t>Did she go to college? If so, where?</a:t>
-            </a:r>
+              <a:rPr lang="en-US" dirty="0"/>
+              <a:t>X - budget</a:t>
+            </a:r>
+          </a:p>
+          <a:p>
+            <a:r>
+              <a:rPr lang="en-US" dirty="0"/>
+              <a:t>Y- net profit (revenue-budget)</a:t>
+            </a:r>
+          </a:p>
+          <a:p>
+            <a:r>
+              <a:rPr lang="en-US" dirty="0">
+                <a:hlinkClick r:id="rId2"/>
+              </a:rPr>
+              <a:t>Link</a:t>
+            </a:r>
+            <a:endParaRPr lang="en-US" dirty="0"/>
+          </a:p>
+          <a:p>
             <a:endParaRPr lang="en-US" dirty="0"/>
           </a:p>
         </p:txBody>
@@ -6797,13 +6803,46 @@
           <a:lstStyle/>
           <a:p>
             <a:r>
-              <a:rPr lang="en-US"/>
-              <a:t>Coretta Scott King’s childhood</a:t>
-            </a:r>
-            <a:endParaRPr lang="en-US" dirty="0"/>
-          </a:p>
-        </p:txBody>
-      </p:sp>
+              <a:rPr lang="en-US" altLang="zh-CN" dirty="0"/>
+              <a:t>Net</a:t>
+            </a:r>
+            <a:r>
+              <a:rPr lang="en-US" dirty="0"/>
+              <a:t> profit</a:t>
+            </a:r>
+          </a:p>
+        </p:txBody>
+      </p:sp>
+      <p:pic>
+        <p:nvPicPr>
+          <p:cNvPr id="8" name="Picture 7">
+            <a:extLst>
+              <a:ext uri="{FF2B5EF4-FFF2-40B4-BE49-F238E27FC236}">
+                <a16:creationId xmlns:a16="http://schemas.microsoft.com/office/drawing/2014/main" id="{307C7FA4-9377-4A40-9A8F-F8E85031C9D5}"/>
+              </a:ext>
+            </a:extLst>
+          </p:cNvPr>
+          <p:cNvPicPr>
+            <a:picLocks noChangeAspect="1"/>
+          </p:cNvPicPr>
+          <p:nvPr/>
+        </p:nvPicPr>
+        <p:blipFill>
+          <a:blip r:embed="rId3"/>
+          <a:stretch>
+            <a:fillRect/>
+          </a:stretch>
+        </p:blipFill>
+        <p:spPr>
+          <a:xfrm>
+            <a:off x="6937892" y="1371600"/>
+            <a:ext cx="4038600" cy="4907489"/>
+          </a:xfrm>
+          <a:prstGeom prst="rect">
+            <a:avLst/>
+          </a:prstGeom>
+        </p:spPr>
+      </p:pic>
     </p:spTree>
     <p:extLst>
       <p:ext uri="{BB962C8B-B14F-4D97-AF65-F5344CB8AC3E}">
@@ -6830,6 +6869,288 @@
 </file>
 
 <file path=ppt/slides/slide4.xml><?xml version="1.0" encoding="utf-8"?>
+<p:sld xmlns:a="http://schemas.openxmlformats.org/drawingml/2006/main" xmlns:r="http://schemas.openxmlformats.org/officeDocument/2006/relationships" xmlns:p="http://schemas.openxmlformats.org/presentationml/2006/main">
+  <p:cSld>
+    <p:spTree>
+      <p:nvGrpSpPr>
+        <p:cNvPr id="1" name=""/>
+        <p:cNvGrpSpPr/>
+        <p:nvPr/>
+      </p:nvGrpSpPr>
+      <p:grpSpPr>
+        <a:xfrm>
+          <a:off x="0" y="0"/>
+          <a:ext cx="0" cy="0"/>
+          <a:chOff x="0" y="0"/>
+          <a:chExt cx="0" cy="0"/>
+        </a:xfrm>
+      </p:grpSpPr>
+      <p:sp>
+        <p:nvSpPr>
+          <p:cNvPr id="13" name="Content Placeholder 12"/>
+          <p:cNvSpPr>
+            <a:spLocks noGrp="1"/>
+          </p:cNvSpPr>
+          <p:nvPr>
+            <p:ph type="body" sz="quarter" idx="13"/>
+          </p:nvPr>
+        </p:nvSpPr>
+        <p:spPr/>
+        <p:txBody>
+          <a:bodyPr/>
+          <a:lstStyle/>
+          <a:p>
+            <a:r>
+              <a:rPr lang="en-US" dirty="0"/>
+              <a:t>X – number</a:t>
+            </a:r>
+          </a:p>
+          <a:p>
+            <a:r>
+              <a:rPr lang="en-US" dirty="0"/>
+              <a:t>Y – number</a:t>
+            </a:r>
+          </a:p>
+          <a:p>
+            <a:r>
+              <a:rPr lang="en-US" dirty="0">
+                <a:hlinkClick r:id="rId2"/>
+              </a:rPr>
+              <a:t>Link</a:t>
+            </a:r>
+            <a:endParaRPr lang="en-US" dirty="0"/>
+          </a:p>
+          <a:p>
+            <a:endParaRPr lang="en-US" dirty="0"/>
+          </a:p>
+        </p:txBody>
+      </p:sp>
+      <p:sp>
+        <p:nvSpPr>
+          <p:cNvPr id="12" name="Title 11"/>
+          <p:cNvSpPr>
+            <a:spLocks noGrp="1"/>
+          </p:cNvSpPr>
+          <p:nvPr>
+            <p:ph type="title"/>
+          </p:nvPr>
+        </p:nvSpPr>
+        <p:spPr/>
+        <p:txBody>
+          <a:bodyPr/>
+          <a:lstStyle/>
+          <a:p>
+            <a:r>
+              <a:rPr lang="en-US" dirty="0"/>
+              <a:t>Number of movies released by Distributors </a:t>
+            </a:r>
+          </a:p>
+        </p:txBody>
+      </p:sp>
+      <p:pic>
+        <p:nvPicPr>
+          <p:cNvPr id="2" name="Picture 1">
+            <a:extLst>
+              <a:ext uri="{FF2B5EF4-FFF2-40B4-BE49-F238E27FC236}">
+                <a16:creationId xmlns:a16="http://schemas.microsoft.com/office/drawing/2014/main" id="{E95C20A3-0A01-4A5F-9EBE-24295EC10373}"/>
+              </a:ext>
+            </a:extLst>
+          </p:cNvPr>
+          <p:cNvPicPr>
+            <a:picLocks noChangeAspect="1"/>
+          </p:cNvPicPr>
+          <p:nvPr/>
+        </p:nvPicPr>
+        <p:blipFill>
+          <a:blip r:embed="rId3"/>
+          <a:stretch>
+            <a:fillRect/>
+          </a:stretch>
+        </p:blipFill>
+        <p:spPr>
+          <a:xfrm>
+            <a:off x="6856412" y="1549400"/>
+            <a:ext cx="4543540" cy="4775200"/>
+          </a:xfrm>
+          <a:prstGeom prst="rect">
+            <a:avLst/>
+          </a:prstGeom>
+        </p:spPr>
+      </p:pic>
+    </p:spTree>
+    <p:extLst>
+      <p:ext uri="{BB962C8B-B14F-4D97-AF65-F5344CB8AC3E}">
+        <p14:creationId xmlns:p14="http://schemas.microsoft.com/office/powerpoint/2010/main" val="381559092"/>
+      </p:ext>
+    </p:extLst>
+  </p:cSld>
+  <p:clrMapOvr>
+    <a:masterClrMapping/>
+  </p:clrMapOvr>
+  <mc:AlternateContent xmlns:mc="http://schemas.openxmlformats.org/markup-compatibility/2006" xmlns:p14="http://schemas.microsoft.com/office/powerpoint/2010/main">
+    <mc:Choice Requires="p14">
+      <p:transition spd="med" p14:dur="700">
+        <p:fade/>
+      </p:transition>
+    </mc:Choice>
+    <mc:Fallback xmlns="">
+      <p:transition spd="med">
+        <p:fade/>
+      </p:transition>
+    </mc:Fallback>
+  </mc:AlternateContent>
+</p:sld>
+</file>
+
+<file path=ppt/slides/slide5.xml><?xml version="1.0" encoding="utf-8"?>
+<p:sld xmlns:a="http://schemas.openxmlformats.org/drawingml/2006/main" xmlns:r="http://schemas.openxmlformats.org/officeDocument/2006/relationships" xmlns:p="http://schemas.openxmlformats.org/presentationml/2006/main">
+  <p:cSld>
+    <p:spTree>
+      <p:nvGrpSpPr>
+        <p:cNvPr id="1" name=""/>
+        <p:cNvGrpSpPr/>
+        <p:nvPr/>
+      </p:nvGrpSpPr>
+      <p:grpSpPr>
+        <a:xfrm>
+          <a:off x="0" y="0"/>
+          <a:ext cx="0" cy="0"/>
+          <a:chOff x="0" y="0"/>
+          <a:chExt cx="0" cy="0"/>
+        </a:xfrm>
+      </p:grpSpPr>
+      <p:sp>
+        <p:nvSpPr>
+          <p:cNvPr id="13" name="Content Placeholder 12"/>
+          <p:cNvSpPr>
+            <a:spLocks noGrp="1"/>
+          </p:cNvSpPr>
+          <p:nvPr>
+            <p:ph type="body" sz="quarter" idx="13"/>
+          </p:nvPr>
+        </p:nvSpPr>
+        <p:spPr/>
+        <p:txBody>
+          <a:bodyPr/>
+          <a:lstStyle/>
+          <a:p>
+            <a:r>
+              <a:rPr lang="en-US" dirty="0"/>
+              <a:t>X – year</a:t>
+            </a:r>
+          </a:p>
+          <a:p>
+            <a:r>
+              <a:rPr lang="en-US" dirty="0"/>
+              <a:t>Y – money </a:t>
+            </a:r>
+          </a:p>
+          <a:p>
+            <a:pPr lvl="1"/>
+            <a:r>
+              <a:rPr lang="en-US" dirty="0"/>
+              <a:t>blue – budget</a:t>
+            </a:r>
+          </a:p>
+          <a:p>
+            <a:pPr lvl="1"/>
+            <a:r>
+              <a:rPr lang="en-US" dirty="0"/>
+              <a:t>orange – revenue</a:t>
+            </a:r>
+          </a:p>
+          <a:p>
+            <a:r>
+              <a:rPr lang="en-US" dirty="0">
+                <a:hlinkClick r:id="rId2"/>
+              </a:rPr>
+              <a:t>Link</a:t>
+            </a:r>
+            <a:endParaRPr lang="en-US" dirty="0"/>
+          </a:p>
+          <a:p>
+            <a:endParaRPr lang="en-US" dirty="0"/>
+          </a:p>
+        </p:txBody>
+      </p:sp>
+      <p:sp>
+        <p:nvSpPr>
+          <p:cNvPr id="12" name="Title 11"/>
+          <p:cNvSpPr>
+            <a:spLocks noGrp="1"/>
+          </p:cNvSpPr>
+          <p:nvPr>
+            <p:ph type="title"/>
+          </p:nvPr>
+        </p:nvSpPr>
+        <p:spPr/>
+        <p:txBody>
+          <a:bodyPr/>
+          <a:lstStyle/>
+          <a:p>
+            <a:r>
+              <a:rPr lang="en-US" dirty="0"/>
+              <a:t>Warner Bros budget/revenue</a:t>
+            </a:r>
+          </a:p>
+        </p:txBody>
+      </p:sp>
+      <p:pic>
+        <p:nvPicPr>
+          <p:cNvPr id="7" name="Picture 6">
+            <a:extLst>
+              <a:ext uri="{FF2B5EF4-FFF2-40B4-BE49-F238E27FC236}">
+                <a16:creationId xmlns:a16="http://schemas.microsoft.com/office/drawing/2014/main" id="{8F03C65F-6173-4A90-B55B-309C4671910E}"/>
+              </a:ext>
+            </a:extLst>
+          </p:cNvPr>
+          <p:cNvPicPr>
+            <a:picLocks noChangeAspect="1"/>
+          </p:cNvPicPr>
+          <p:nvPr/>
+        </p:nvPicPr>
+        <p:blipFill>
+          <a:blip r:embed="rId3"/>
+          <a:stretch>
+            <a:fillRect/>
+          </a:stretch>
+        </p:blipFill>
+        <p:spPr>
+          <a:xfrm>
+            <a:off x="7389812" y="1528409"/>
+            <a:ext cx="3733800" cy="4817182"/>
+          </a:xfrm>
+          <a:prstGeom prst="rect">
+            <a:avLst/>
+          </a:prstGeom>
+        </p:spPr>
+      </p:pic>
+    </p:spTree>
+    <p:extLst>
+      <p:ext uri="{BB962C8B-B14F-4D97-AF65-F5344CB8AC3E}">
+        <p14:creationId xmlns:p14="http://schemas.microsoft.com/office/powerpoint/2010/main" val="2475359018"/>
+      </p:ext>
+    </p:extLst>
+  </p:cSld>
+  <p:clrMapOvr>
+    <a:masterClrMapping/>
+  </p:clrMapOvr>
+  <mc:AlternateContent xmlns:mc="http://schemas.openxmlformats.org/markup-compatibility/2006" xmlns:p14="http://schemas.microsoft.com/office/powerpoint/2010/main">
+    <mc:Choice Requires="p14">
+      <p:transition spd="med" p14:dur="700">
+        <p:fade/>
+      </p:transition>
+    </mc:Choice>
+    <mc:Fallback xmlns="">
+      <p:transition spd="med">
+        <p:fade/>
+      </p:transition>
+    </mc:Fallback>
+  </mc:AlternateContent>
+</p:sld>
+</file>
+
+<file path=ppt/slides/slide6.xml><?xml version="1.0" encoding="utf-8"?>
 <p:sld xmlns:a="http://schemas.openxmlformats.org/drawingml/2006/main" xmlns:r="http://schemas.openxmlformats.org/officeDocument/2006/relationships" xmlns:p="http://schemas.openxmlformats.org/presentationml/2006/main">
   <p:cSld>
     <p:spTree>
@@ -7434,136 +7755,6 @@
     <p:extLst>
       <p:ext uri="{BB962C8B-B14F-4D97-AF65-F5344CB8AC3E}">
         <p14:creationId xmlns:p14="http://schemas.microsoft.com/office/powerpoint/2010/main" val="142221600"/>
-      </p:ext>
-    </p:extLst>
-  </p:cSld>
-  <p:clrMapOvr>
-    <a:masterClrMapping/>
-  </p:clrMapOvr>
-  <mc:AlternateContent xmlns:mc="http://schemas.openxmlformats.org/markup-compatibility/2006" xmlns:p14="http://schemas.microsoft.com/office/powerpoint/2010/main">
-    <mc:Choice Requires="p14">
-      <p:transition spd="med" p14:dur="700">
-        <p:fade/>
-      </p:transition>
-    </mc:Choice>
-    <mc:Fallback xmlns="">
-      <p:transition spd="med">
-        <p:fade/>
-      </p:transition>
-    </mc:Fallback>
-  </mc:AlternateContent>
-</p:sld>
-</file>
-
-<file path=ppt/slides/slide5.xml><?xml version="1.0" encoding="utf-8"?>
-<p:sld xmlns:a="http://schemas.openxmlformats.org/drawingml/2006/main" xmlns:r="http://schemas.openxmlformats.org/officeDocument/2006/relationships" xmlns:p="http://schemas.openxmlformats.org/presentationml/2006/main">
-  <p:cSld>
-    <p:spTree>
-      <p:nvGrpSpPr>
-        <p:cNvPr id="1" name=""/>
-        <p:cNvGrpSpPr/>
-        <p:nvPr/>
-      </p:nvGrpSpPr>
-      <p:grpSpPr>
-        <a:xfrm>
-          <a:off x="0" y="0"/>
-          <a:ext cx="0" cy="0"/>
-          <a:chOff x="0" y="0"/>
-          <a:chExt cx="0" cy="0"/>
-        </a:xfrm>
-      </p:grpSpPr>
-      <p:sp>
-        <p:nvSpPr>
-          <p:cNvPr id="4" name="Picture Placeholder 3" title="Picture placeholder"/>
-          <p:cNvSpPr>
-            <a:spLocks noGrp="1"/>
-          </p:cNvSpPr>
-          <p:nvPr>
-            <p:ph type="pic" idx="1"/>
-          </p:nvPr>
-        </p:nvSpPr>
-        <p:spPr/>
-      </p:sp>
-      <p:sp>
-        <p:nvSpPr>
-          <p:cNvPr id="13" name="Content Placeholder 12"/>
-          <p:cNvSpPr>
-            <a:spLocks noGrp="1"/>
-          </p:cNvSpPr>
-          <p:nvPr>
-            <p:ph type="body" sz="quarter" idx="13"/>
-          </p:nvPr>
-        </p:nvSpPr>
-        <p:spPr/>
-        <p:txBody>
-          <a:bodyPr/>
-          <a:lstStyle/>
-          <a:p>
-            <a:r>
-              <a:rPr lang="en-US"/>
-              <a:t>Where was Coretta Scott King born?</a:t>
-            </a:r>
-          </a:p>
-          <a:p>
-            <a:r>
-              <a:rPr lang="en-US"/>
-              <a:t>What did her parents do?</a:t>
-            </a:r>
-          </a:p>
-          <a:p>
-            <a:r>
-              <a:rPr lang="en-US"/>
-              <a:t>Did she experience prejudice or injustice because of her race when she was a child?</a:t>
-            </a:r>
-          </a:p>
-          <a:p>
-            <a:r>
-              <a:rPr lang="en-US"/>
-              <a:t>What kind of a student was she?</a:t>
-            </a:r>
-          </a:p>
-          <a:p>
-            <a:r>
-              <a:rPr lang="en-US"/>
-              <a:t>What were her interests?</a:t>
-            </a:r>
-          </a:p>
-          <a:p>
-            <a:r>
-              <a:rPr lang="en-US"/>
-              <a:t>Did she go to college? If so, where?</a:t>
-            </a:r>
-            <a:endParaRPr lang="en-US" dirty="0"/>
-          </a:p>
-        </p:txBody>
-      </p:sp>
-      <p:sp>
-        <p:nvSpPr>
-          <p:cNvPr id="12" name="Title 11"/>
-          <p:cNvSpPr>
-            <a:spLocks noGrp="1"/>
-          </p:cNvSpPr>
-          <p:nvPr>
-            <p:ph type="title"/>
-          </p:nvPr>
-        </p:nvSpPr>
-        <p:spPr/>
-        <p:txBody>
-          <a:bodyPr/>
-          <a:lstStyle/>
-          <a:p>
-            <a:r>
-              <a:rPr lang="en-US"/>
-              <a:t>Coretta Scott King’s childhood</a:t>
-            </a:r>
-            <a:endParaRPr lang="en-US" dirty="0"/>
-          </a:p>
-        </p:txBody>
-      </p:sp>
-    </p:spTree>
-    <p:extLst>
-      <p:ext uri="{BB962C8B-B14F-4D97-AF65-F5344CB8AC3E}">
-        <p14:creationId xmlns:p14="http://schemas.microsoft.com/office/powerpoint/2010/main" val="811133933"/>
       </p:ext>
     </p:extLst>
   </p:cSld>

--- a/movie.pptx
+++ b/movie.pptx
@@ -5,10 +5,10 @@
     <p:sldMasterId id="2147483795" r:id="rId2"/>
   </p:sldMasterIdLst>
   <p:notesMasterIdLst>
-    <p:notesMasterId r:id="rId9"/>
+    <p:notesMasterId r:id="rId11"/>
   </p:notesMasterIdLst>
   <p:handoutMasterIdLst>
-    <p:handoutMasterId r:id="rId10"/>
+    <p:handoutMasterId r:id="rId12"/>
   </p:handoutMasterIdLst>
   <p:sldIdLst>
     <p:sldId id="267" r:id="rId3"/>
@@ -16,7 +16,9 @@
     <p:sldId id="268" r:id="rId5"/>
     <p:sldId id="278" r:id="rId6"/>
     <p:sldId id="279" r:id="rId7"/>
-    <p:sldId id="275" r:id="rId8"/>
+    <p:sldId id="280" r:id="rId8"/>
+    <p:sldId id="281" r:id="rId9"/>
+    <p:sldId id="275" r:id="rId10"/>
   </p:sldIdLst>
   <p:sldSz cx="12188825" cy="6858000"/>
   <p:notesSz cx="6858000" cy="9144000"/>
@@ -255,7 +257,7 @@
           <a:p>
             <a:fld id="{30E6E22E-288A-414B-A8DE-E4DBD03D5FC0}" type="datetimeFigureOut">
               <a:rPr lang="en-US"/>
-              <a:t>3/18/2018</a:t>
+              <a:t>3/19/2018</a:t>
             </a:fld>
             <a:endParaRPr/>
           </a:p>
@@ -420,7 +422,7 @@
           <a:p>
             <a:fld id="{39A9AE7E-E0F9-4C51-AD9A-F4C3A6E23BBF}" type="datetimeFigureOut">
               <a:rPr lang="en-US"/>
-              <a:t>3/18/2018</a:t>
+              <a:t>3/19/2018</a:t>
             </a:fld>
             <a:endParaRPr/>
           </a:p>
@@ -920,7 +922,7 @@
           <a:p>
             <a:fld id="{3A741029-F585-46D8-BF62-606C33A96FA0}" type="datetime1">
               <a:rPr lang="en-US" smtClean="0"/>
-              <a:t>3/18/2018</a:t>
+              <a:t>3/19/2018</a:t>
             </a:fld>
             <a:endParaRPr lang="en-US"/>
           </a:p>
@@ -1217,7 +1219,7 @@
           <a:p>
             <a:fld id="{322136EB-4D21-4091-86A3-A2E66ADCEC6F}" type="datetime1">
               <a:rPr lang="en-US" smtClean="0"/>
-              <a:t>3/18/2018</a:t>
+              <a:t>3/19/2018</a:t>
             </a:fld>
             <a:endParaRPr lang="en-US"/>
           </a:p>
@@ -1536,7 +1538,7 @@
           <a:p>
             <a:fld id="{EF85C4A4-B9B3-474C-A33C-74227BBD38B5}" type="datetime1">
               <a:rPr lang="en-US" smtClean="0"/>
-              <a:t>3/18/2018</a:t>
+              <a:t>3/19/2018</a:t>
             </a:fld>
             <a:endParaRPr lang="en-US"/>
           </a:p>
@@ -1735,7 +1737,7 @@
           <a:p>
             <a:fld id="{C58A97D9-0678-447E-8B5E-F8FA5AE87DFE}" type="datetime1">
               <a:rPr lang="en-US" smtClean="0"/>
-              <a:t>3/18/2018</a:t>
+              <a:t>3/19/2018</a:t>
             </a:fld>
             <a:endParaRPr lang="en-US"/>
           </a:p>
@@ -1944,7 +1946,7 @@
           <a:p>
             <a:fld id="{27B65279-2780-424C-A8DC-D75AE57777C1}" type="datetime1">
               <a:rPr lang="en-US" smtClean="0"/>
-              <a:t>3/18/2018</a:t>
+              <a:t>3/19/2018</a:t>
             </a:fld>
             <a:endParaRPr lang="en-US"/>
           </a:p>
@@ -2408,7 +2410,7 @@
           <a:p>
             <a:fld id="{89A94A6A-89F0-45A9-9734-83420AE17EDA}" type="datetime1">
               <a:rPr lang="en-US" smtClean="0"/>
-              <a:t>3/18/2018</a:t>
+              <a:t>3/19/2018</a:t>
             </a:fld>
             <a:endParaRPr lang="en-US"/>
           </a:p>
@@ -2825,7 +2827,7 @@
           <a:p>
             <a:fld id="{71E2ABE2-480E-4F59-89DB-7D425C2113E2}" type="datetime1">
               <a:rPr lang="en-US" smtClean="0"/>
-              <a:t>3/18/2018</a:t>
+              <a:t>3/19/2018</a:t>
             </a:fld>
             <a:endParaRPr lang="en-US"/>
           </a:p>
@@ -3024,7 +3026,7 @@
           <a:p>
             <a:fld id="{F987E872-4CAB-4883-8635-E21696B384F4}" type="datetime1">
               <a:rPr lang="en-US" smtClean="0"/>
-              <a:t>3/18/2018</a:t>
+              <a:t>3/19/2018</a:t>
             </a:fld>
             <a:endParaRPr lang="en-US"/>
           </a:p>
@@ -3580,7 +3582,7 @@
           <a:p>
             <a:fld id="{468AF959-51A6-42B8-A748-D75AB6C98C24}" type="datetime1">
               <a:rPr lang="en-US" smtClean="0"/>
-              <a:t>3/18/2018</a:t>
+              <a:t>3/19/2018</a:t>
             </a:fld>
             <a:endParaRPr lang="en-US"/>
           </a:p>
@@ -3798,7 +3800,7 @@
           <a:p>
             <a:fld id="{CF6848E8-8AFE-47E0-82EE-DBA488174865}" type="datetime1">
               <a:rPr lang="en-US" smtClean="0"/>
-              <a:t>3/18/2018</a:t>
+              <a:t>3/19/2018</a:t>
             </a:fld>
             <a:endParaRPr lang="en-US"/>
           </a:p>
@@ -4259,7 +4261,7 @@
           <a:p>
             <a:fld id="{0A8D2060-68FA-4062-BE68-036D8C6709E5}" type="datetime1">
               <a:rPr lang="en-US" smtClean="0"/>
-              <a:t>3/18/2018</a:t>
+              <a:t>3/19/2018</a:t>
             </a:fld>
             <a:endParaRPr lang="en-US"/>
           </a:p>
@@ -4390,7 +4392,7 @@
           <a:p>
             <a:fld id="{6E84D717-3E6E-43B4-A122-A8FA21D81230}" type="datetime1">
               <a:rPr lang="en-US" smtClean="0"/>
-              <a:t>3/18/2018</a:t>
+              <a:t>3/19/2018</a:t>
             </a:fld>
             <a:endParaRPr lang="en-US"/>
           </a:p>
@@ -4498,7 +4500,7 @@
           <a:p>
             <a:fld id="{FBCFE924-02D0-4310-A1D4-CC3F6EC8186E}" type="datetime1">
               <a:rPr lang="en-US" smtClean="0"/>
-              <a:t>3/18/2018</a:t>
+              <a:t>3/19/2018</a:t>
             </a:fld>
             <a:endParaRPr lang="en-US"/>
           </a:p>
@@ -4797,7 +4799,7 @@
           <a:p>
             <a:fld id="{2009992A-0632-4D61-BD98-52667C44B734}" type="datetime1">
               <a:rPr lang="en-US" smtClean="0"/>
-              <a:t>3/18/2018</a:t>
+              <a:t>3/19/2018</a:t>
             </a:fld>
             <a:endParaRPr lang="en-US"/>
           </a:p>
@@ -5205,7 +5207,7 @@
           <a:p>
             <a:fld id="{D74D42E0-553F-45B0-A14E-302DD55B35FC}" type="datetime1">
               <a:rPr lang="en-US" smtClean="0"/>
-              <a:t>3/18/2018</a:t>
+              <a:t>3/19/2018</a:t>
             </a:fld>
             <a:endParaRPr lang="en-US"/>
           </a:p>
@@ -7167,546 +7169,6 @@
           <a:chExt cx="0" cy="0"/>
         </a:xfrm>
       </p:grpSpPr>
-      <p:graphicFrame>
-        <p:nvGraphicFramePr>
-          <p:cNvPr id="7" name="Table 6" title="Timeline of dates and places"/>
-          <p:cNvGraphicFramePr>
-            <a:graphicFrameLocks noGrp="1"/>
-          </p:cNvGraphicFramePr>
-          <p:nvPr>
-            <p:extLst>
-              <p:ext uri="{D42A27DB-BD31-4B8C-83A1-F6EECF244321}">
-                <p14:modId xmlns:p14="http://schemas.microsoft.com/office/powerpoint/2010/main" val="3030663008"/>
-              </p:ext>
-            </p:extLst>
-          </p:nvPr>
-        </p:nvGraphicFramePr>
-        <p:xfrm>
-          <a:off x="1225762" y="3429000"/>
-          <a:ext cx="9753600" cy="2035912"/>
-        </p:xfrm>
-        <a:graphic>
-          <a:graphicData uri="http://schemas.openxmlformats.org/drawingml/2006/table">
-            <a:tbl>
-              <a:tblPr firstRow="1" bandRow="1">
-                <a:tableStyleId>{69012ECD-51FC-41F1-AA8D-1B2483CD663E}</a:tableStyleId>
-              </a:tblPr>
-              <a:tblGrid>
-                <a:gridCol w="1219200">
-                  <a:extLst>
-                    <a:ext uri="{9D8B030D-6E8A-4147-A177-3AD203B41FA5}">
-                      <a16:colId xmlns:a16="http://schemas.microsoft.com/office/drawing/2014/main" val="20000"/>
-                    </a:ext>
-                  </a:extLst>
-                </a:gridCol>
-                <a:gridCol w="1219200">
-                  <a:extLst>
-                    <a:ext uri="{9D8B030D-6E8A-4147-A177-3AD203B41FA5}">
-                      <a16:colId xmlns:a16="http://schemas.microsoft.com/office/drawing/2014/main" val="20001"/>
-                    </a:ext>
-                  </a:extLst>
-                </a:gridCol>
-                <a:gridCol w="1219200">
-                  <a:extLst>
-                    <a:ext uri="{9D8B030D-6E8A-4147-A177-3AD203B41FA5}">
-                      <a16:colId xmlns:a16="http://schemas.microsoft.com/office/drawing/2014/main" val="20002"/>
-                    </a:ext>
-                  </a:extLst>
-                </a:gridCol>
-                <a:gridCol w="1219200">
-                  <a:extLst>
-                    <a:ext uri="{9D8B030D-6E8A-4147-A177-3AD203B41FA5}">
-                      <a16:colId xmlns:a16="http://schemas.microsoft.com/office/drawing/2014/main" val="20003"/>
-                    </a:ext>
-                  </a:extLst>
-                </a:gridCol>
-                <a:gridCol w="1219200">
-                  <a:extLst>
-                    <a:ext uri="{9D8B030D-6E8A-4147-A177-3AD203B41FA5}">
-                      <a16:colId xmlns:a16="http://schemas.microsoft.com/office/drawing/2014/main" val="20004"/>
-                    </a:ext>
-                  </a:extLst>
-                </a:gridCol>
-                <a:gridCol w="1219200">
-                  <a:extLst>
-                    <a:ext uri="{9D8B030D-6E8A-4147-A177-3AD203B41FA5}">
-                      <a16:colId xmlns:a16="http://schemas.microsoft.com/office/drawing/2014/main" val="20005"/>
-                    </a:ext>
-                  </a:extLst>
-                </a:gridCol>
-                <a:gridCol w="1219200">
-                  <a:extLst>
-                    <a:ext uri="{9D8B030D-6E8A-4147-A177-3AD203B41FA5}">
-                      <a16:colId xmlns:a16="http://schemas.microsoft.com/office/drawing/2014/main" val="20006"/>
-                    </a:ext>
-                  </a:extLst>
-                </a:gridCol>
-                <a:gridCol w="1219200">
-                  <a:extLst>
-                    <a:ext uri="{9D8B030D-6E8A-4147-A177-3AD203B41FA5}">
-                      <a16:colId xmlns:a16="http://schemas.microsoft.com/office/drawing/2014/main" val="20007"/>
-                    </a:ext>
-                  </a:extLst>
-                </a:gridCol>
-              </a:tblGrid>
-              <a:tr h="533400">
-                <a:tc>
-                  <a:txBody>
-                    <a:bodyPr/>
-                    <a:lstStyle/>
-                    <a:p>
-                      <a:r>
-                        <a:rPr lang="en-US" sz="1400" dirty="0"/>
-                        <a:t>Name</a:t>
-                      </a:r>
-                      <a:r>
-                        <a:rPr lang="en-US" sz="1400" baseline="0" dirty="0"/>
-                        <a:t> of Event 1</a:t>
-                      </a:r>
-                      <a:endParaRPr lang="en-US" sz="1400" dirty="0"/>
-                    </a:p>
-                  </a:txBody>
-                  <a:tcPr/>
-                </a:tc>
-                <a:tc>
-                  <a:txBody>
-                    <a:bodyPr/>
-                    <a:lstStyle/>
-                    <a:p>
-                      <a:r>
-                        <a:rPr lang="en-US" sz="1400" dirty="0"/>
-                        <a:t>Name</a:t>
-                      </a:r>
-                      <a:r>
-                        <a:rPr lang="en-US" sz="1400" baseline="0" dirty="0"/>
-                        <a:t> of Event 2</a:t>
-                      </a:r>
-                      <a:endParaRPr lang="en-US" sz="1400" dirty="0"/>
-                    </a:p>
-                  </a:txBody>
-                  <a:tcPr/>
-                </a:tc>
-                <a:tc>
-                  <a:txBody>
-                    <a:bodyPr/>
-                    <a:lstStyle/>
-                    <a:p>
-                      <a:r>
-                        <a:rPr lang="en-US" sz="1400" dirty="0"/>
-                        <a:t>Name</a:t>
-                      </a:r>
-                      <a:r>
-                        <a:rPr lang="en-US" sz="1400" baseline="0" dirty="0"/>
-                        <a:t> of Event 3</a:t>
-                      </a:r>
-                      <a:endParaRPr lang="en-US" sz="1400" dirty="0"/>
-                    </a:p>
-                  </a:txBody>
-                  <a:tcPr/>
-                </a:tc>
-                <a:tc>
-                  <a:txBody>
-                    <a:bodyPr/>
-                    <a:lstStyle/>
-                    <a:p>
-                      <a:r>
-                        <a:rPr lang="en-US" sz="1400" dirty="0"/>
-                        <a:t>Name</a:t>
-                      </a:r>
-                      <a:r>
-                        <a:rPr lang="en-US" sz="1400" baseline="0" dirty="0"/>
-                        <a:t> of Event 4</a:t>
-                      </a:r>
-                      <a:endParaRPr lang="en-US" sz="1400" dirty="0"/>
-                    </a:p>
-                  </a:txBody>
-                  <a:tcPr/>
-                </a:tc>
-                <a:tc>
-                  <a:txBody>
-                    <a:bodyPr/>
-                    <a:lstStyle/>
-                    <a:p>
-                      <a:r>
-                        <a:rPr lang="en-US" sz="1400" dirty="0"/>
-                        <a:t>Name</a:t>
-                      </a:r>
-                      <a:r>
-                        <a:rPr lang="en-US" sz="1400" baseline="0" dirty="0"/>
-                        <a:t> of Event 5</a:t>
-                      </a:r>
-                      <a:endParaRPr lang="en-US" sz="1400" dirty="0"/>
-                    </a:p>
-                  </a:txBody>
-                  <a:tcPr/>
-                </a:tc>
-                <a:tc>
-                  <a:txBody>
-                    <a:bodyPr/>
-                    <a:lstStyle/>
-                    <a:p>
-                      <a:r>
-                        <a:rPr lang="en-US" sz="1400" dirty="0"/>
-                        <a:t>Name</a:t>
-                      </a:r>
-                      <a:r>
-                        <a:rPr lang="en-US" sz="1400" baseline="0" dirty="0"/>
-                        <a:t> of Event 6</a:t>
-                      </a:r>
-                      <a:endParaRPr lang="en-US" sz="1400" dirty="0"/>
-                    </a:p>
-                  </a:txBody>
-                  <a:tcPr/>
-                </a:tc>
-                <a:tc>
-                  <a:txBody>
-                    <a:bodyPr/>
-                    <a:lstStyle/>
-                    <a:p>
-                      <a:r>
-                        <a:rPr lang="en-US" sz="1400" dirty="0"/>
-                        <a:t>Name</a:t>
-                      </a:r>
-                      <a:r>
-                        <a:rPr lang="en-US" sz="1400" baseline="0" dirty="0"/>
-                        <a:t> of Event 7</a:t>
-                      </a:r>
-                      <a:endParaRPr lang="en-US" sz="1400" dirty="0"/>
-                    </a:p>
-                  </a:txBody>
-                  <a:tcPr/>
-                </a:tc>
-                <a:tc>
-                  <a:txBody>
-                    <a:bodyPr/>
-                    <a:lstStyle/>
-                    <a:p>
-                      <a:r>
-                        <a:rPr lang="en-US" sz="1400" dirty="0"/>
-                        <a:t>Name</a:t>
-                      </a:r>
-                      <a:r>
-                        <a:rPr lang="en-US" sz="1400" baseline="0" dirty="0"/>
-                        <a:t> of Event 8</a:t>
-                      </a:r>
-                      <a:endParaRPr lang="en-US" sz="1400" dirty="0"/>
-                    </a:p>
-                  </a:txBody>
-                  <a:tcPr/>
-                </a:tc>
-                <a:extLst>
-                  <a:ext uri="{0D108BD9-81ED-4DB2-BD59-A6C34878D82A}">
-                    <a16:rowId xmlns:a16="http://schemas.microsoft.com/office/drawing/2014/main" val="10000"/>
-                  </a:ext>
-                </a:extLst>
-              </a:tr>
-              <a:tr h="363424">
-                <a:tc>
-                  <a:txBody>
-                    <a:bodyPr/>
-                    <a:lstStyle/>
-                    <a:p>
-                      <a:r>
-                        <a:rPr lang="en-US" sz="1400" dirty="0"/>
-                        <a:t>1</a:t>
-                      </a:r>
-                      <a:r>
-                        <a:rPr lang="en-US" sz="1400" baseline="30000" dirty="0"/>
-                        <a:t>st</a:t>
-                      </a:r>
-                      <a:r>
-                        <a:rPr lang="en-US" sz="1400" dirty="0"/>
-                        <a:t> Date</a:t>
-                      </a:r>
-                    </a:p>
-                  </a:txBody>
-                  <a:tcPr/>
-                </a:tc>
-                <a:tc>
-                  <a:txBody>
-                    <a:bodyPr/>
-                    <a:lstStyle/>
-                    <a:p>
-                      <a:r>
-                        <a:rPr lang="en-US" sz="1400" dirty="0"/>
-                        <a:t>2</a:t>
-                      </a:r>
-                      <a:r>
-                        <a:rPr lang="en-US" sz="1400" baseline="30000" dirty="0"/>
-                        <a:t>nd</a:t>
-                      </a:r>
-                      <a:r>
-                        <a:rPr lang="en-US" sz="1400" dirty="0"/>
-                        <a:t> Date</a:t>
-                      </a:r>
-                    </a:p>
-                  </a:txBody>
-                  <a:tcPr/>
-                </a:tc>
-                <a:tc>
-                  <a:txBody>
-                    <a:bodyPr/>
-                    <a:lstStyle/>
-                    <a:p>
-                      <a:r>
-                        <a:rPr lang="en-US" sz="1400" dirty="0"/>
-                        <a:t>3</a:t>
-                      </a:r>
-                      <a:r>
-                        <a:rPr lang="en-US" sz="1400" baseline="30000" dirty="0"/>
-                        <a:t>rd</a:t>
-                      </a:r>
-                      <a:r>
-                        <a:rPr lang="en-US" sz="1400" dirty="0"/>
-                        <a:t> Date</a:t>
-                      </a:r>
-                    </a:p>
-                  </a:txBody>
-                  <a:tcPr/>
-                </a:tc>
-                <a:tc>
-                  <a:txBody>
-                    <a:bodyPr/>
-                    <a:lstStyle/>
-                    <a:p>
-                      <a:r>
-                        <a:rPr lang="en-US" sz="1400" dirty="0"/>
-                        <a:t>4</a:t>
-                      </a:r>
-                      <a:r>
-                        <a:rPr lang="en-US" sz="1400" baseline="30000" dirty="0"/>
-                        <a:t>th</a:t>
-                      </a:r>
-                      <a:r>
-                        <a:rPr lang="en-US" sz="1400" dirty="0"/>
-                        <a:t> Date</a:t>
-                      </a:r>
-                    </a:p>
-                  </a:txBody>
-                  <a:tcPr/>
-                </a:tc>
-                <a:tc>
-                  <a:txBody>
-                    <a:bodyPr/>
-                    <a:lstStyle/>
-                    <a:p>
-                      <a:r>
-                        <a:rPr lang="en-US" sz="1400" dirty="0"/>
-                        <a:t>5</a:t>
-                      </a:r>
-                      <a:r>
-                        <a:rPr lang="en-US" sz="1400" baseline="30000" dirty="0"/>
-                        <a:t>th</a:t>
-                      </a:r>
-                      <a:r>
-                        <a:rPr lang="en-US" sz="1400" dirty="0"/>
-                        <a:t> Date</a:t>
-                      </a:r>
-                    </a:p>
-                  </a:txBody>
-                  <a:tcPr/>
-                </a:tc>
-                <a:tc>
-                  <a:txBody>
-                    <a:bodyPr/>
-                    <a:lstStyle/>
-                    <a:p>
-                      <a:r>
-                        <a:rPr lang="en-US" sz="1400" dirty="0"/>
-                        <a:t>6</a:t>
-                      </a:r>
-                      <a:r>
-                        <a:rPr lang="en-US" sz="1400" baseline="30000" dirty="0"/>
-                        <a:t>th</a:t>
-                      </a:r>
-                      <a:r>
-                        <a:rPr lang="en-US" sz="1400" dirty="0"/>
-                        <a:t> Date</a:t>
-                      </a:r>
-                    </a:p>
-                  </a:txBody>
-                  <a:tcPr/>
-                </a:tc>
-                <a:tc>
-                  <a:txBody>
-                    <a:bodyPr/>
-                    <a:lstStyle/>
-                    <a:p>
-                      <a:r>
-                        <a:rPr lang="en-US" sz="1400" dirty="0"/>
-                        <a:t>7</a:t>
-                      </a:r>
-                      <a:r>
-                        <a:rPr lang="en-US" sz="1400" baseline="30000" dirty="0"/>
-                        <a:t>th</a:t>
-                      </a:r>
-                      <a:r>
-                        <a:rPr lang="en-US" sz="1400" dirty="0"/>
-                        <a:t> Date</a:t>
-                      </a:r>
-                    </a:p>
-                  </a:txBody>
-                  <a:tcPr/>
-                </a:tc>
-                <a:tc>
-                  <a:txBody>
-                    <a:bodyPr/>
-                    <a:lstStyle/>
-                    <a:p>
-                      <a:r>
-                        <a:rPr lang="en-US" sz="1400" dirty="0"/>
-                        <a:t>8</a:t>
-                      </a:r>
-                      <a:r>
-                        <a:rPr lang="en-US" sz="1400" baseline="30000" dirty="0"/>
-                        <a:t>th</a:t>
-                      </a:r>
-                      <a:r>
-                        <a:rPr lang="en-US" sz="1400" dirty="0"/>
-                        <a:t> Date</a:t>
-                      </a:r>
-                    </a:p>
-                  </a:txBody>
-                  <a:tcPr/>
-                </a:tc>
-                <a:extLst>
-                  <a:ext uri="{0D108BD9-81ED-4DB2-BD59-A6C34878D82A}">
-                    <a16:rowId xmlns:a16="http://schemas.microsoft.com/office/drawing/2014/main" val="10001"/>
-                  </a:ext>
-                </a:extLst>
-              </a:tr>
-              <a:tr h="1139088">
-                <a:tc>
-                  <a:txBody>
-                    <a:bodyPr/>
-                    <a:lstStyle/>
-                    <a:p>
-                      <a:pPr marL="0" marR="0" indent="0" algn="l" defTabSz="914400" rtl="0" eaLnBrk="1" fontAlgn="auto" latinLnBrk="0" hangingPunct="1">
-                        <a:lnSpc>
-                          <a:spcPct val="100000"/>
-                        </a:lnSpc>
-                        <a:spcBef>
-                          <a:spcPts val="0"/>
-                        </a:spcBef>
-                        <a:spcAft>
-                          <a:spcPts val="0"/>
-                        </a:spcAft>
-                        <a:buClrTx/>
-                        <a:buSzTx/>
-                        <a:buFontTx/>
-                        <a:buNone/>
-                        <a:tabLst/>
-                        <a:defRPr/>
-                      </a:pPr>
-                      <a:r>
-                        <a:rPr lang="en-US" sz="1400" dirty="0"/>
-                        <a:t>Description of Event</a:t>
-                      </a:r>
-                    </a:p>
-                  </a:txBody>
-                  <a:tcPr/>
-                </a:tc>
-                <a:tc>
-                  <a:txBody>
-                    <a:bodyPr/>
-                    <a:lstStyle/>
-                    <a:p>
-                      <a:r>
-                        <a:rPr lang="en-US" sz="1400" dirty="0"/>
-                        <a:t>Description of Event</a:t>
-                      </a:r>
-                    </a:p>
-                  </a:txBody>
-                  <a:tcPr/>
-                </a:tc>
-                <a:tc>
-                  <a:txBody>
-                    <a:bodyPr/>
-                    <a:lstStyle/>
-                    <a:p>
-                      <a:r>
-                        <a:rPr lang="en-US" sz="1400" dirty="0"/>
-                        <a:t>Description of Event</a:t>
-                      </a:r>
-                    </a:p>
-                  </a:txBody>
-                  <a:tcPr/>
-                </a:tc>
-                <a:tc>
-                  <a:txBody>
-                    <a:bodyPr/>
-                    <a:lstStyle/>
-                    <a:p>
-                      <a:r>
-                        <a:rPr lang="en-US" sz="1400" dirty="0"/>
-                        <a:t>Description of Event</a:t>
-                      </a:r>
-                    </a:p>
-                  </a:txBody>
-                  <a:tcPr/>
-                </a:tc>
-                <a:tc>
-                  <a:txBody>
-                    <a:bodyPr/>
-                    <a:lstStyle/>
-                    <a:p>
-                      <a:r>
-                        <a:rPr lang="en-US" sz="1400" dirty="0"/>
-                        <a:t>Description of Event</a:t>
-                      </a:r>
-                    </a:p>
-                  </a:txBody>
-                  <a:tcPr/>
-                </a:tc>
-                <a:tc>
-                  <a:txBody>
-                    <a:bodyPr/>
-                    <a:lstStyle/>
-                    <a:p>
-                      <a:r>
-                        <a:rPr lang="en-US" sz="1400" dirty="0"/>
-                        <a:t>Description of Event</a:t>
-                      </a:r>
-                    </a:p>
-                  </a:txBody>
-                  <a:tcPr/>
-                </a:tc>
-                <a:tc>
-                  <a:txBody>
-                    <a:bodyPr/>
-                    <a:lstStyle/>
-                    <a:p>
-                      <a:r>
-                        <a:rPr lang="en-US" sz="1400" dirty="0"/>
-                        <a:t>Description of Event</a:t>
-                      </a:r>
-                    </a:p>
-                  </a:txBody>
-                  <a:tcPr/>
-                </a:tc>
-                <a:tc>
-                  <a:txBody>
-                    <a:bodyPr/>
-                    <a:lstStyle/>
-                    <a:p>
-                      <a:r>
-                        <a:rPr lang="en-US" sz="1400" dirty="0"/>
-                        <a:t>Description of Event</a:t>
-                      </a:r>
-                    </a:p>
-                  </a:txBody>
-                  <a:tcPr/>
-                </a:tc>
-                <a:extLst>
-                  <a:ext uri="{0D108BD9-81ED-4DB2-BD59-A6C34878D82A}">
-                    <a16:rowId xmlns:a16="http://schemas.microsoft.com/office/drawing/2014/main" val="10002"/>
-                  </a:ext>
-                </a:extLst>
-              </a:tr>
-            </a:tbl>
-          </a:graphicData>
-        </a:graphic>
-      </p:graphicFrame>
       <p:sp>
         <p:nvSpPr>
           <p:cNvPr id="3" name="Content Placeholder 2"/>
@@ -7724,8 +7186,29 @@
           <a:p>
             <a:r>
               <a:rPr lang="en-US" dirty="0"/>
-              <a:t>Make a timeline of the dates and places that Martin Luther and Coretta Scott King visited together to celebrate a country’s freedom, to honor the memory of an inspirational leader, and to accept a prestigious award.</a:t>
-            </a:r>
+              <a:t>First test with small data and it works, then with full data and it doesn’t work.</a:t>
+            </a:r>
+          </a:p>
+          <a:p>
+            <a:r>
+              <a:rPr lang="en-US" dirty="0"/>
+              <a:t>There are invalid data in the file, these have to be eliminated</a:t>
+            </a:r>
+          </a:p>
+          <a:p>
+            <a:pPr lvl="1"/>
+            <a:endParaRPr lang="en-US" dirty="0"/>
+          </a:p>
+          <a:p>
+            <a:pPr lvl="1"/>
+            <a:endParaRPr lang="en-US" dirty="0"/>
+          </a:p>
+          <a:p>
+            <a:pPr lvl="1"/>
+            <a:endParaRPr lang="en-US" dirty="0"/>
+          </a:p>
+          <a:p>
+            <a:endParaRPr lang="en-US" dirty="0"/>
           </a:p>
         </p:txBody>
       </p:sp>
@@ -7746,7 +7229,467 @@
           <a:p>
             <a:r>
               <a:rPr lang="en-US" dirty="0"/>
-              <a:t>Traveling to celebrate freedom</a:t>
+              <a:t>Data problems</a:t>
+            </a:r>
+          </a:p>
+        </p:txBody>
+      </p:sp>
+      <p:pic>
+        <p:nvPicPr>
+          <p:cNvPr id="5" name="Picture 4">
+            <a:extLst>
+              <a:ext uri="{FF2B5EF4-FFF2-40B4-BE49-F238E27FC236}">
+                <a16:creationId xmlns:a16="http://schemas.microsoft.com/office/drawing/2014/main" id="{9A27545F-324D-42DE-9E10-438FFE4A4134}"/>
+              </a:ext>
+            </a:extLst>
+          </p:cNvPr>
+          <p:cNvPicPr>
+            <a:picLocks noChangeAspect="1"/>
+          </p:cNvPicPr>
+          <p:nvPr/>
+        </p:nvPicPr>
+        <p:blipFill>
+          <a:blip r:embed="rId2"/>
+          <a:stretch>
+            <a:fillRect/>
+          </a:stretch>
+        </p:blipFill>
+        <p:spPr>
+          <a:xfrm>
+            <a:off x="1446212" y="3124200"/>
+            <a:ext cx="8934450" cy="1162050"/>
+          </a:xfrm>
+          <a:prstGeom prst="rect">
+            <a:avLst/>
+          </a:prstGeom>
+        </p:spPr>
+      </p:pic>
+    </p:spTree>
+    <p:extLst>
+      <p:ext uri="{BB962C8B-B14F-4D97-AF65-F5344CB8AC3E}">
+        <p14:creationId xmlns:p14="http://schemas.microsoft.com/office/powerpoint/2010/main" val="1137614084"/>
+      </p:ext>
+    </p:extLst>
+  </p:cSld>
+  <p:clrMapOvr>
+    <a:masterClrMapping/>
+  </p:clrMapOvr>
+  <mc:AlternateContent xmlns:mc="http://schemas.openxmlformats.org/markup-compatibility/2006" xmlns:p14="http://schemas.microsoft.com/office/powerpoint/2010/main">
+    <mc:Choice Requires="p14">
+      <p:transition spd="med" p14:dur="700">
+        <p:fade/>
+      </p:transition>
+    </mc:Choice>
+    <mc:Fallback xmlns="">
+      <p:transition spd="med">
+        <p:fade/>
+      </p:transition>
+    </mc:Fallback>
+  </mc:AlternateContent>
+</p:sld>
+</file>
+
+<file path=ppt/slides/slide7.xml><?xml version="1.0" encoding="utf-8"?>
+<p:sld xmlns:a="http://schemas.openxmlformats.org/drawingml/2006/main" xmlns:r="http://schemas.openxmlformats.org/officeDocument/2006/relationships" xmlns:p="http://schemas.openxmlformats.org/presentationml/2006/main">
+  <p:cSld>
+    <p:spTree>
+      <p:nvGrpSpPr>
+        <p:cNvPr id="1" name=""/>
+        <p:cNvGrpSpPr/>
+        <p:nvPr/>
+      </p:nvGrpSpPr>
+      <p:grpSpPr>
+        <a:xfrm>
+          <a:off x="0" y="0"/>
+          <a:ext cx="0" cy="0"/>
+          <a:chOff x="0" y="0"/>
+          <a:chExt cx="0" cy="0"/>
+        </a:xfrm>
+      </p:grpSpPr>
+      <p:sp>
+        <p:nvSpPr>
+          <p:cNvPr id="3" name="Content Placeholder 2"/>
+          <p:cNvSpPr>
+            <a:spLocks noGrp="1"/>
+          </p:cNvSpPr>
+          <p:nvPr>
+            <p:ph idx="1"/>
+          </p:nvPr>
+        </p:nvSpPr>
+        <p:spPr/>
+        <p:txBody>
+          <a:bodyPr/>
+          <a:lstStyle/>
+          <a:p>
+            <a:r>
+              <a:rPr lang="en-US" dirty="0"/>
+              <a:t>Companies and genre are in </a:t>
+            </a:r>
+            <a:r>
+              <a:rPr lang="en-US" dirty="0" err="1"/>
+              <a:t>json</a:t>
+            </a:r>
+            <a:r>
+              <a:rPr lang="en-US" dirty="0"/>
+              <a:t> format, how to parse/convert </a:t>
+            </a:r>
+            <a:r>
+              <a:rPr lang="en-US" dirty="0" err="1"/>
+              <a:t>json</a:t>
+            </a:r>
+            <a:r>
+              <a:rPr lang="en-US" dirty="0"/>
+              <a:t> to RDD is a problem</a:t>
+            </a:r>
+          </a:p>
+          <a:p>
+            <a:r>
+              <a:rPr lang="en-US" dirty="0"/>
+              <a:t>First parse </a:t>
+            </a:r>
+            <a:r>
+              <a:rPr lang="en-US" dirty="0" err="1"/>
+              <a:t>json</a:t>
+            </a:r>
+            <a:r>
+              <a:rPr lang="en-US" dirty="0"/>
+              <a:t> into </a:t>
+            </a:r>
+            <a:r>
+              <a:rPr lang="en-US" dirty="0" err="1"/>
+              <a:t>dict</a:t>
+            </a:r>
+            <a:endParaRPr lang="en-US" dirty="0"/>
+          </a:p>
+          <a:p>
+            <a:r>
+              <a:rPr lang="en-US" dirty="0"/>
+              <a:t>Then convert </a:t>
+            </a:r>
+            <a:r>
+              <a:rPr lang="en-US" dirty="0" err="1"/>
+              <a:t>dict</a:t>
+            </a:r>
+            <a:r>
+              <a:rPr lang="en-US" dirty="0"/>
+              <a:t> into list</a:t>
+            </a:r>
+          </a:p>
+          <a:p>
+            <a:r>
+              <a:rPr lang="en-US" dirty="0"/>
+              <a:t>Flat map last</a:t>
+            </a:r>
+          </a:p>
+        </p:txBody>
+      </p:sp>
+      <p:sp>
+        <p:nvSpPr>
+          <p:cNvPr id="2" name="Title 1"/>
+          <p:cNvSpPr>
+            <a:spLocks noGrp="1"/>
+          </p:cNvSpPr>
+          <p:nvPr>
+            <p:ph type="title"/>
+          </p:nvPr>
+        </p:nvSpPr>
+        <p:spPr/>
+        <p:txBody>
+          <a:bodyPr/>
+          <a:lstStyle/>
+          <a:p>
+            <a:r>
+              <a:rPr lang="en-US" dirty="0"/>
+              <a:t>Data problems</a:t>
+            </a:r>
+          </a:p>
+        </p:txBody>
+      </p:sp>
+      <p:pic>
+        <p:nvPicPr>
+          <p:cNvPr id="4" name="Picture 3">
+            <a:extLst>
+              <a:ext uri="{FF2B5EF4-FFF2-40B4-BE49-F238E27FC236}">
+                <a16:creationId xmlns:a16="http://schemas.microsoft.com/office/drawing/2014/main" id="{23F633E5-BB06-4EFD-961A-13EF31779886}"/>
+              </a:ext>
+            </a:extLst>
+          </p:cNvPr>
+          <p:cNvPicPr>
+            <a:picLocks noChangeAspect="1"/>
+          </p:cNvPicPr>
+          <p:nvPr/>
+        </p:nvPicPr>
+        <p:blipFill>
+          <a:blip r:embed="rId2"/>
+          <a:stretch>
+            <a:fillRect/>
+          </a:stretch>
+        </p:blipFill>
+        <p:spPr>
+          <a:xfrm>
+            <a:off x="5632135" y="2401455"/>
+            <a:ext cx="5334000" cy="1535545"/>
+          </a:xfrm>
+          <a:prstGeom prst="rect">
+            <a:avLst/>
+          </a:prstGeom>
+        </p:spPr>
+      </p:pic>
+      <p:pic>
+        <p:nvPicPr>
+          <p:cNvPr id="6" name="Picture 5">
+            <a:extLst>
+              <a:ext uri="{FF2B5EF4-FFF2-40B4-BE49-F238E27FC236}">
+                <a16:creationId xmlns:a16="http://schemas.microsoft.com/office/drawing/2014/main" id="{3B43E8FB-8949-467E-AA60-C7CC20CE6FEB}"/>
+              </a:ext>
+            </a:extLst>
+          </p:cNvPr>
+          <p:cNvPicPr>
+            <a:picLocks noChangeAspect="1"/>
+          </p:cNvPicPr>
+          <p:nvPr/>
+        </p:nvPicPr>
+        <p:blipFill>
+          <a:blip r:embed="rId3"/>
+          <a:stretch>
+            <a:fillRect/>
+          </a:stretch>
+        </p:blipFill>
+        <p:spPr>
+          <a:xfrm>
+            <a:off x="731838" y="4372841"/>
+            <a:ext cx="2409825" cy="1057275"/>
+          </a:xfrm>
+          <a:prstGeom prst="rect">
+            <a:avLst/>
+          </a:prstGeom>
+        </p:spPr>
+      </p:pic>
+      <p:pic>
+        <p:nvPicPr>
+          <p:cNvPr id="7" name="Picture 6">
+            <a:extLst>
+              <a:ext uri="{FF2B5EF4-FFF2-40B4-BE49-F238E27FC236}">
+                <a16:creationId xmlns:a16="http://schemas.microsoft.com/office/drawing/2014/main" id="{269AC064-5B29-47FD-B493-29DC3DF5C317}"/>
+              </a:ext>
+            </a:extLst>
+          </p:cNvPr>
+          <p:cNvPicPr>
+            <a:picLocks noChangeAspect="1"/>
+          </p:cNvPicPr>
+          <p:nvPr/>
+        </p:nvPicPr>
+        <p:blipFill>
+          <a:blip r:embed="rId4"/>
+          <a:stretch>
+            <a:fillRect/>
+          </a:stretch>
+        </p:blipFill>
+        <p:spPr>
+          <a:xfrm>
+            <a:off x="3111500" y="4384675"/>
+            <a:ext cx="3524250" cy="1238250"/>
+          </a:xfrm>
+          <a:prstGeom prst="rect">
+            <a:avLst/>
+          </a:prstGeom>
+        </p:spPr>
+      </p:pic>
+      <p:pic>
+        <p:nvPicPr>
+          <p:cNvPr id="8" name="Picture 7">
+            <a:extLst>
+              <a:ext uri="{FF2B5EF4-FFF2-40B4-BE49-F238E27FC236}">
+                <a16:creationId xmlns:a16="http://schemas.microsoft.com/office/drawing/2014/main" id="{DF6C4B1B-2337-421F-8556-7ED668CF68EB}"/>
+              </a:ext>
+            </a:extLst>
+          </p:cNvPr>
+          <p:cNvPicPr>
+            <a:picLocks noChangeAspect="1"/>
+          </p:cNvPicPr>
+          <p:nvPr/>
+        </p:nvPicPr>
+        <p:blipFill>
+          <a:blip r:embed="rId5"/>
+          <a:stretch>
+            <a:fillRect/>
+          </a:stretch>
+        </p:blipFill>
+        <p:spPr>
+          <a:xfrm>
+            <a:off x="5923279" y="4384675"/>
+            <a:ext cx="5210175" cy="457200"/>
+          </a:xfrm>
+          <a:prstGeom prst="rect">
+            <a:avLst/>
+          </a:prstGeom>
+        </p:spPr>
+      </p:pic>
+    </p:spTree>
+    <p:extLst>
+      <p:ext uri="{BB962C8B-B14F-4D97-AF65-F5344CB8AC3E}">
+        <p14:creationId xmlns:p14="http://schemas.microsoft.com/office/powerpoint/2010/main" val="1498918926"/>
+      </p:ext>
+    </p:extLst>
+  </p:cSld>
+  <p:clrMapOvr>
+    <a:masterClrMapping/>
+  </p:clrMapOvr>
+  <mc:AlternateContent xmlns:mc="http://schemas.openxmlformats.org/markup-compatibility/2006" xmlns:p14="http://schemas.microsoft.com/office/powerpoint/2010/main">
+    <mc:Choice Requires="p14">
+      <p:transition spd="med" p14:dur="700">
+        <p:fade/>
+      </p:transition>
+    </mc:Choice>
+    <mc:Fallback xmlns="">
+      <p:transition spd="med">
+        <p:fade/>
+      </p:transition>
+    </mc:Fallback>
+  </mc:AlternateContent>
+</p:sld>
+</file>
+
+<file path=ppt/slides/slide8.xml><?xml version="1.0" encoding="utf-8"?>
+<p:sld xmlns:a="http://schemas.openxmlformats.org/drawingml/2006/main" xmlns:r="http://schemas.openxmlformats.org/officeDocument/2006/relationships" xmlns:p="http://schemas.openxmlformats.org/presentationml/2006/main">
+  <p:cSld>
+    <p:spTree>
+      <p:nvGrpSpPr>
+        <p:cNvPr id="1" name=""/>
+        <p:cNvGrpSpPr/>
+        <p:nvPr/>
+      </p:nvGrpSpPr>
+      <p:grpSpPr>
+        <a:xfrm>
+          <a:off x="0" y="0"/>
+          <a:ext cx="0" cy="0"/>
+          <a:chOff x="0" y="0"/>
+          <a:chExt cx="0" cy="0"/>
+        </a:xfrm>
+      </p:grpSpPr>
+      <p:sp>
+        <p:nvSpPr>
+          <p:cNvPr id="3" name="Content Placeholder 2"/>
+          <p:cNvSpPr>
+            <a:spLocks noGrp="1"/>
+          </p:cNvSpPr>
+          <p:nvPr>
+            <p:ph idx="1"/>
+          </p:nvPr>
+        </p:nvSpPr>
+        <p:spPr/>
+        <p:txBody>
+          <a:bodyPr/>
+          <a:lstStyle/>
+          <a:p>
+            <a:r>
+              <a:rPr lang="en-US" dirty="0"/>
+              <a:t>How to install </a:t>
+            </a:r>
+            <a:r>
+              <a:rPr lang="en-US" dirty="0" err="1"/>
+              <a:t>Plotly</a:t>
+            </a:r>
+            <a:r>
+              <a:rPr lang="en-US" dirty="0"/>
+              <a:t>?</a:t>
+            </a:r>
+          </a:p>
+          <a:p>
+            <a:pPr lvl="1"/>
+            <a:r>
+              <a:rPr lang="en-US" dirty="0"/>
+              <a:t>Pip is needed for install </a:t>
+            </a:r>
+            <a:r>
+              <a:rPr lang="en-US" dirty="0" err="1"/>
+              <a:t>Plotly</a:t>
+            </a:r>
+            <a:endParaRPr lang="en-US" dirty="0"/>
+          </a:p>
+          <a:p>
+            <a:pPr lvl="1"/>
+            <a:r>
+              <a:rPr lang="en-US" dirty="0"/>
+              <a:t>But pip is not there, have to install pip first, and some other software needed.</a:t>
+            </a:r>
+          </a:p>
+          <a:p>
+            <a:r>
+              <a:rPr lang="en-US" dirty="0" err="1"/>
+              <a:t>Plotly</a:t>
+            </a:r>
+            <a:r>
+              <a:rPr lang="en-US" dirty="0"/>
+              <a:t> uses Python 3.6, but Cloudera VM provide Python 2.6,  have to upgrade Python on VM.</a:t>
+            </a:r>
+          </a:p>
+          <a:p>
+            <a:r>
+              <a:rPr lang="en-US" dirty="0"/>
+              <a:t>How to connect Spark SQL result to </a:t>
+            </a:r>
+            <a:r>
+              <a:rPr lang="en-US" dirty="0" err="1"/>
+              <a:t>Plotly</a:t>
+            </a:r>
+            <a:r>
+              <a:rPr lang="en-US" dirty="0"/>
+              <a:t>?</a:t>
+            </a:r>
+          </a:p>
+          <a:p>
+            <a:pPr lvl="1"/>
+            <a:r>
+              <a:rPr lang="en-US" dirty="0"/>
+              <a:t>Read python </a:t>
+            </a:r>
+            <a:r>
+              <a:rPr lang="en-US" dirty="0" err="1"/>
+              <a:t>api</a:t>
+            </a:r>
+            <a:r>
+              <a:rPr lang="en-US" dirty="0"/>
+              <a:t> document on </a:t>
+            </a:r>
+            <a:r>
+              <a:rPr lang="en-US" dirty="0" err="1"/>
+              <a:t>Plotly</a:t>
+            </a:r>
+            <a:r>
+              <a:rPr lang="en-US" dirty="0"/>
+              <a:t>, start from demo, then step by step merge our SQL result to </a:t>
+            </a:r>
+            <a:r>
+              <a:rPr lang="en-US"/>
+              <a:t>Plotly</a:t>
+            </a:r>
+            <a:endParaRPr lang="en-US" dirty="0"/>
+          </a:p>
+        </p:txBody>
+      </p:sp>
+      <p:sp>
+        <p:nvSpPr>
+          <p:cNvPr id="2" name="Title 1"/>
+          <p:cNvSpPr>
+            <a:spLocks noGrp="1"/>
+          </p:cNvSpPr>
+          <p:nvPr>
+            <p:ph type="title"/>
+          </p:nvPr>
+        </p:nvSpPr>
+        <p:spPr/>
+        <p:txBody>
+          <a:bodyPr/>
+          <a:lstStyle/>
+          <a:p>
+            <a:r>
+              <a:rPr lang="en-US" dirty="0" err="1"/>
+              <a:t>Plotly</a:t>
+            </a:r>
+            <a:r>
+              <a:rPr lang="en-US" dirty="0"/>
+              <a:t> Problems</a:t>
             </a:r>
           </a:p>
         </p:txBody>

--- a/movie.pptx
+++ b/movie.pptx
@@ -23,6 +23,9 @@
     <p:sldId id="268" r:id="rId20"/>
     <p:sldId id="269" r:id="rId21"/>
     <p:sldId id="270" r:id="rId22"/>
+    <p:sldId id="271" r:id="rId23"/>
+    <p:sldId id="272" r:id="rId24"/>
+    <p:sldId id="273" r:id="rId25"/>
   </p:sldIdLst>
   <p:sldSz cx="12179300" cy="6858000"/>
   <p:notesSz cx="6858000" cy="9144000"/>
@@ -4698,7 +4701,7 @@
               </a:defRPr>
             </a:pPr>
             <a:r>
-              <a:t>YunLong Li</a:t>
+              <a:t>Chenglong Li</a:t>
             </a:r>
           </a:p>
         </p:txBody>
@@ -4760,58 +4763,7 @@
       </p:grpSpPr>
       <p:sp>
         <p:nvSpPr>
-          <p:cNvPr id="233" name="Content Placeholder 12"/>
-          <p:cNvSpPr txBox="1"/>
-          <p:nvPr>
-            <p:ph type="body" sz="half" idx="1"/>
-          </p:nvPr>
-        </p:nvSpPr>
-        <p:spPr>
-          <a:xfrm>
-            <a:off x="1218882" y="1803400"/>
-            <a:ext cx="5866130" cy="4267200"/>
-          </a:xfrm>
-          <a:prstGeom prst="rect">
-            <a:avLst/>
-          </a:prstGeom>
-        </p:spPr>
-        <p:txBody>
-          <a:bodyPr/>
-          <a:lstStyle/>
-          <a:p>
-            <a:pPr/>
-            <a:r>
-              <a:t>X - budget</a:t>
-            </a:r>
-          </a:p>
-          <a:p>
-            <a:pPr/>
-            <a:r>
-              <a:t>Y- net profit (revenue-budget)</a:t>
-            </a:r>
-          </a:p>
-          <a:p>
-            <a:pPr/>
-            <a:r>
-              <a:rPr u="sng">
-                <a:solidFill>
-                  <a:srgbClr val="8E58B6"/>
-                </a:solidFill>
-                <a:uFill>
-                  <a:solidFill>
-                    <a:srgbClr val="8E58B6"/>
-                  </a:solidFill>
-                </a:uFill>
-                <a:hlinkClick r:id="rId2" invalidUrl="" action="" tgtFrame="" tooltip="" history="1" highlightClick="0" endSnd="0"/>
-              </a:rPr>
-              <a:t>Link</a:t>
-            </a:r>
-          </a:p>
-        </p:txBody>
-      </p:sp>
-      <p:sp>
-        <p:nvSpPr>
-          <p:cNvPr id="234" name="Title 11"/>
+          <p:cNvPr id="231" name="Demo - store data in hive"/>
           <p:cNvSpPr txBox="1"/>
           <p:nvPr>
             <p:ph type="title"/>
@@ -4819,8 +4771,8 @@
         </p:nvSpPr>
         <p:spPr>
           <a:xfrm>
-            <a:off x="1218883" y="431800"/>
-            <a:ext cx="9751060" cy="1168400"/>
+            <a:off x="1218882" y="431800"/>
+            <a:ext cx="9751061" cy="1168400"/>
           </a:xfrm>
           <a:prstGeom prst="rect">
             <a:avLst/>
@@ -4832,21 +4784,21 @@
           <a:p>
             <a:pPr/>
             <a:r>
-              <a:t>Net profit</a:t>
+              <a:t>Demo - store data in hive</a:t>
             </a:r>
           </a:p>
         </p:txBody>
       </p:sp>
       <p:pic>
         <p:nvPicPr>
-          <p:cNvPr id="235" name="Picture 7" descr="Picture 7"/>
+          <p:cNvPr id="232" name="Image" descr="Image"/>
           <p:cNvPicPr>
             <a:picLocks noChangeAspect="1"/>
           </p:cNvPicPr>
           <p:nvPr/>
         </p:nvPicPr>
         <p:blipFill>
-          <a:blip r:embed="rId3">
+          <a:blip r:embed="rId2">
             <a:extLst/>
           </a:blip>
           <a:stretch>
@@ -4855,8 +4807,8 @@
         </p:blipFill>
         <p:spPr>
           <a:xfrm>
-            <a:off x="6937892" y="1371600"/>
-            <a:ext cx="4038601" cy="4907489"/>
+            <a:off x="2463799" y="2336365"/>
+            <a:ext cx="6519081" cy="2185270"/>
           </a:xfrm>
           <a:prstGeom prst="rect">
             <a:avLst/>
@@ -4894,7 +4846,7 @@
       </p:grpSpPr>
       <p:sp>
         <p:nvSpPr>
-          <p:cNvPr id="237" name="Content Placeholder 12"/>
+          <p:cNvPr id="234" name="Content Placeholder 12"/>
           <p:cNvSpPr txBox="1"/>
           <p:nvPr>
             <p:ph type="body" sz="half" idx="1"/>
@@ -4915,13 +4867,13 @@
           <a:p>
             <a:pPr/>
             <a:r>
-              <a:t>X – number</a:t>
+              <a:t>X - budget</a:t>
             </a:r>
           </a:p>
           <a:p>
             <a:pPr/>
             <a:r>
-              <a:t>Y – number</a:t>
+              <a:t>Y- net profit (revenue-budget)</a:t>
             </a:r>
           </a:p>
           <a:p>
@@ -4945,7 +4897,7 @@
       </p:sp>
       <p:sp>
         <p:nvSpPr>
-          <p:cNvPr id="238" name="Title 11"/>
+          <p:cNvPr id="235" name="Title 11"/>
           <p:cNvSpPr txBox="1"/>
           <p:nvPr>
             <p:ph type="title"/>
@@ -4966,14 +4918,14 @@
           <a:p>
             <a:pPr/>
             <a:r>
-              <a:t>Number of movies released by Distributors </a:t>
+              <a:t>Net profit</a:t>
             </a:r>
           </a:p>
         </p:txBody>
       </p:sp>
       <p:pic>
         <p:nvPicPr>
-          <p:cNvPr id="239" name="Picture 1" descr="Picture 1"/>
+          <p:cNvPr id="236" name="Picture 7" descr="Picture 7"/>
           <p:cNvPicPr>
             <a:picLocks noChangeAspect="1"/>
           </p:cNvPicPr>
@@ -4989,8 +4941,8 @@
         </p:blipFill>
         <p:spPr>
           <a:xfrm>
-            <a:off x="6856411" y="1549400"/>
-            <a:ext cx="4543541" cy="4775200"/>
+            <a:off x="6937892" y="1371600"/>
+            <a:ext cx="4038601" cy="4907489"/>
           </a:xfrm>
           <a:prstGeom prst="rect">
             <a:avLst/>
@@ -5005,18 +4957,7 @@
   <p:clrMapOvr>
     <a:masterClrMapping/>
   </p:clrMapOvr>
-  <mc:AlternateContent xmlns:mc="http://schemas.openxmlformats.org/markup-compatibility/2006">
-    <mc:Choice xmlns:p14="http://schemas.microsoft.com/office/powerpoint/2010/main" Requires="p14">
-      <p:transition spd="med" advClick="1" p14:dur="1000">
-        <p:dissolve/>
-      </p:transition>
-    </mc:Choice>
-    <mc:Fallback>
-      <p:transition spd="med">
-        <p:fade/>
-      </p:transition>
-    </mc:Fallback>
-  </mc:AlternateContent>
+  <p:transition xmlns:p14="http://schemas.microsoft.com/office/powerpoint/2010/main" spd="med" advClick="1"/>
 </p:sld>
 </file>
 
@@ -5039,7 +4980,7 @@
       </p:grpSpPr>
       <p:sp>
         <p:nvSpPr>
-          <p:cNvPr id="241" name="Content Placeholder 12"/>
+          <p:cNvPr id="238" name="Content Placeholder 12"/>
           <p:cNvSpPr txBox="1"/>
           <p:nvPr>
             <p:ph type="body" sz="half" idx="1"/>
@@ -5060,35 +5001,13 @@
           <a:p>
             <a:pPr/>
             <a:r>
-              <a:t>X – year</a:t>
+              <a:t>X – number</a:t>
             </a:r>
           </a:p>
           <a:p>
             <a:pPr/>
             <a:r>
-              <a:t>Y – money </a:t>
-            </a:r>
-          </a:p>
-          <a:p>
-            <a:pPr lvl="1" marL="548640" indent="-246888">
-              <a:spcBef>
-                <a:spcPts val="800"/>
-              </a:spcBef>
-              <a:defRPr sz="2000"/>
-            </a:pPr>
-            <a:r>
-              <a:t>blue – budget</a:t>
-            </a:r>
-          </a:p>
-          <a:p>
-            <a:pPr lvl="1" marL="548640" indent="-246888">
-              <a:spcBef>
-                <a:spcPts val="800"/>
-              </a:spcBef>
-              <a:defRPr sz="2000"/>
-            </a:pPr>
-            <a:r>
-              <a:t>orange – revenue</a:t>
+              <a:t>Y – number</a:t>
             </a:r>
           </a:p>
           <a:p>
@@ -5112,7 +5031,7 @@
       </p:sp>
       <p:sp>
         <p:nvSpPr>
-          <p:cNvPr id="242" name="Title 11"/>
+          <p:cNvPr id="239" name="Title 11"/>
           <p:cNvSpPr txBox="1"/>
           <p:nvPr>
             <p:ph type="title"/>
@@ -5133,14 +5052,14 @@
           <a:p>
             <a:pPr/>
             <a:r>
-              <a:t>Warner Bros budget/revenue</a:t>
+              <a:t>Number of movies released by Distributors </a:t>
             </a:r>
           </a:p>
         </p:txBody>
       </p:sp>
       <p:pic>
         <p:nvPicPr>
-          <p:cNvPr id="243" name="Picture 6" descr="Picture 6"/>
+          <p:cNvPr id="240" name="Picture 1" descr="Picture 1"/>
           <p:cNvPicPr>
             <a:picLocks noChangeAspect="1"/>
           </p:cNvPicPr>
@@ -5156,8 +5075,8 @@
         </p:blipFill>
         <p:spPr>
           <a:xfrm>
-            <a:off x="7389811" y="1528409"/>
-            <a:ext cx="3733801" cy="4817182"/>
+            <a:off x="6856411" y="1549400"/>
+            <a:ext cx="4543541" cy="4775200"/>
           </a:xfrm>
           <a:prstGeom prst="rect">
             <a:avLst/>
@@ -5206,16 +5125,16 @@
       </p:grpSpPr>
       <p:sp>
         <p:nvSpPr>
-          <p:cNvPr id="245" name="Content Placeholder 2"/>
+          <p:cNvPr id="242" name="Content Placeholder 12"/>
           <p:cNvSpPr txBox="1"/>
           <p:nvPr>
-            <p:ph type="body" idx="1"/>
+            <p:ph type="body" sz="half" idx="1"/>
           </p:nvPr>
         </p:nvSpPr>
         <p:spPr>
           <a:xfrm>
-            <a:off x="1218883" y="1803400"/>
-            <a:ext cx="9751060" cy="4267200"/>
+            <a:off x="1218882" y="1803400"/>
+            <a:ext cx="5866130" cy="4267200"/>
           </a:xfrm>
           <a:prstGeom prst="rect">
             <a:avLst/>
@@ -5227,20 +5146,59 @@
           <a:p>
             <a:pPr/>
             <a:r>
-              <a:t>First test with small data and it works, then with full data and it doesn’t work.</a:t>
+              <a:t>X – year</a:t>
             </a:r>
           </a:p>
           <a:p>
             <a:pPr/>
             <a:r>
-              <a:t>There are invalid data in the file, these have to be eliminated</a:t>
+              <a:t>Y – money </a:t>
+            </a:r>
+          </a:p>
+          <a:p>
+            <a:pPr lvl="1" marL="548640" indent="-246888">
+              <a:spcBef>
+                <a:spcPts val="800"/>
+              </a:spcBef>
+              <a:defRPr sz="2000"/>
+            </a:pPr>
+            <a:r>
+              <a:t>blue – budget</a:t>
+            </a:r>
+          </a:p>
+          <a:p>
+            <a:pPr lvl="1" marL="548640" indent="-246888">
+              <a:spcBef>
+                <a:spcPts val="800"/>
+              </a:spcBef>
+              <a:defRPr sz="2000"/>
+            </a:pPr>
+            <a:r>
+              <a:t>orange – revenue</a:t>
+            </a:r>
+          </a:p>
+          <a:p>
+            <a:pPr/>
+            <a:r>
+              <a:rPr u="sng">
+                <a:solidFill>
+                  <a:srgbClr val="8E58B6"/>
+                </a:solidFill>
+                <a:uFill>
+                  <a:solidFill>
+                    <a:srgbClr val="8E58B6"/>
+                  </a:solidFill>
+                </a:uFill>
+                <a:hlinkClick r:id="rId2" invalidUrl="" action="" tgtFrame="" tooltip="" history="1" highlightClick="0" endSnd="0"/>
+              </a:rPr>
+              <a:t>Link</a:t>
             </a:r>
           </a:p>
         </p:txBody>
       </p:sp>
       <p:sp>
         <p:nvSpPr>
-          <p:cNvPr id="246" name="Title 1"/>
+          <p:cNvPr id="243" name="Title 11"/>
           <p:cNvSpPr txBox="1"/>
           <p:nvPr>
             <p:ph type="title"/>
@@ -5261,21 +5219,21 @@
           <a:p>
             <a:pPr/>
             <a:r>
-              <a:t>Data problems</a:t>
+              <a:t>Warner Bros budget/revenue</a:t>
             </a:r>
           </a:p>
         </p:txBody>
       </p:sp>
       <p:pic>
         <p:nvPicPr>
-          <p:cNvPr id="247" name="Picture 4" descr="Picture 4"/>
+          <p:cNvPr id="244" name="Picture 6" descr="Picture 6"/>
           <p:cNvPicPr>
             <a:picLocks noChangeAspect="1"/>
           </p:cNvPicPr>
           <p:nvPr/>
         </p:nvPicPr>
         <p:blipFill>
-          <a:blip r:embed="rId2">
+          <a:blip r:embed="rId3">
             <a:extLst/>
           </a:blip>
           <a:stretch>
@@ -5284,8 +5242,8 @@
         </p:blipFill>
         <p:spPr>
           <a:xfrm>
-            <a:off x="1446212" y="3124200"/>
-            <a:ext cx="8934451" cy="1162050"/>
+            <a:off x="7389811" y="1528409"/>
+            <a:ext cx="3733801" cy="4817182"/>
           </a:xfrm>
           <a:prstGeom prst="rect">
             <a:avLst/>
@@ -5334,7 +5292,7 @@
       </p:grpSpPr>
       <p:sp>
         <p:nvSpPr>
-          <p:cNvPr id="249" name="Content Placeholder 2"/>
+          <p:cNvPr id="246" name="Content Placeholder 2"/>
           <p:cNvSpPr txBox="1"/>
           <p:nvPr>
             <p:ph type="body" idx="1"/>
@@ -5355,32 +5313,20 @@
           <a:p>
             <a:pPr/>
             <a:r>
-              <a:t>Companies and genre are in json format, how to parse/convert json to RDD is a problem</a:t>
+              <a:t>First test with small data and it works, then with full data and it doesn’t work.</a:t>
             </a:r>
           </a:p>
           <a:p>
             <a:pPr/>
             <a:r>
-              <a:t>First parse json into dict</a:t>
-            </a:r>
-          </a:p>
-          <a:p>
-            <a:pPr/>
-            <a:r>
-              <a:t>Then convert dict into list</a:t>
-            </a:r>
-          </a:p>
-          <a:p>
-            <a:pPr/>
-            <a:r>
-              <a:t>Flat map last</a:t>
+              <a:t>There are invalid data in the file, these have to be eliminated</a:t>
             </a:r>
           </a:p>
         </p:txBody>
       </p:sp>
       <p:sp>
         <p:nvSpPr>
-          <p:cNvPr id="250" name="Title 1"/>
+          <p:cNvPr id="247" name="Title 1"/>
           <p:cNvSpPr txBox="1"/>
           <p:nvPr>
             <p:ph type="title"/>
@@ -5408,7 +5354,7 @@
       </p:sp>
       <p:pic>
         <p:nvPicPr>
-          <p:cNvPr id="251" name="Picture 3" descr="Picture 3"/>
+          <p:cNvPr id="248" name="Picture 4" descr="Picture 4"/>
           <p:cNvPicPr>
             <a:picLocks noChangeAspect="1"/>
           </p:cNvPicPr>
@@ -5424,95 +5370,8 @@
         </p:blipFill>
         <p:spPr>
           <a:xfrm>
-            <a:off x="5632134" y="2401454"/>
-            <a:ext cx="5334001" cy="1535546"/>
-          </a:xfrm>
-          <a:prstGeom prst="rect">
-            <a:avLst/>
-          </a:prstGeom>
-          <a:ln w="12700">
-            <a:miter lim="400000"/>
-          </a:ln>
-        </p:spPr>
-      </p:pic>
-      <p:pic>
-        <p:nvPicPr>
-          <p:cNvPr id="252" name="Picture 5" descr="Picture 5"/>
-          <p:cNvPicPr>
-            <a:picLocks noChangeAspect="1"/>
-          </p:cNvPicPr>
-          <p:nvPr/>
-        </p:nvPicPr>
-        <p:blipFill>
-          <a:blip r:embed="rId3">
-            <a:extLst/>
-          </a:blip>
-          <a:stretch>
-            <a:fillRect/>
-          </a:stretch>
-        </p:blipFill>
-        <p:spPr>
-          <a:xfrm>
-            <a:off x="731837" y="4372840"/>
-            <a:ext cx="2409826" cy="1057276"/>
-          </a:xfrm>
-          <a:prstGeom prst="rect">
-            <a:avLst/>
-          </a:prstGeom>
-          <a:ln w="12700">
-            <a:miter lim="400000"/>
-          </a:ln>
-        </p:spPr>
-      </p:pic>
-      <p:pic>
-        <p:nvPicPr>
-          <p:cNvPr id="253" name="Picture 6" descr="Picture 6"/>
-          <p:cNvPicPr>
-            <a:picLocks noChangeAspect="1"/>
-          </p:cNvPicPr>
-          <p:nvPr/>
-        </p:nvPicPr>
-        <p:blipFill>
-          <a:blip r:embed="rId4">
-            <a:extLst/>
-          </a:blip>
-          <a:stretch>
-            <a:fillRect/>
-          </a:stretch>
-        </p:blipFill>
-        <p:spPr>
-          <a:xfrm>
-            <a:off x="3111500" y="4384675"/>
-            <a:ext cx="3524250" cy="1238250"/>
-          </a:xfrm>
-          <a:prstGeom prst="rect">
-            <a:avLst/>
-          </a:prstGeom>
-          <a:ln w="12700">
-            <a:miter lim="400000"/>
-          </a:ln>
-        </p:spPr>
-      </p:pic>
-      <p:pic>
-        <p:nvPicPr>
-          <p:cNvPr id="254" name="Picture 7" descr="Picture 7"/>
-          <p:cNvPicPr>
-            <a:picLocks noChangeAspect="1"/>
-          </p:cNvPicPr>
-          <p:nvPr/>
-        </p:nvPicPr>
-        <p:blipFill>
-          <a:blip r:embed="rId5">
-            <a:extLst/>
-          </a:blip>
-          <a:stretch>
-            <a:fillRect/>
-          </a:stretch>
-        </p:blipFill>
-        <p:spPr>
-          <a:xfrm>
-            <a:off x="5923279" y="4384675"/>
-            <a:ext cx="5210176" cy="457200"/>
+            <a:off x="1446212" y="3124200"/>
+            <a:ext cx="8934451" cy="1162050"/>
           </a:xfrm>
           <a:prstGeom prst="rect">
             <a:avLst/>
@@ -5561,6 +5420,204 @@
       </p:grpSpPr>
       <p:sp>
         <p:nvSpPr>
+          <p:cNvPr id="250" name="In the beginning, we want to use the NetCat as a server to send the streaming data to Kafka, but we find it is difficult to transfer the socket stream into the spark stream by Kafka.…"/>
+          <p:cNvSpPr txBox="1"/>
+          <p:nvPr>
+            <p:ph type="body" idx="1"/>
+          </p:nvPr>
+        </p:nvSpPr>
+        <p:spPr>
+          <a:prstGeom prst="rect">
+            <a:avLst/>
+          </a:prstGeom>
+        </p:spPr>
+        <p:txBody>
+          <a:bodyPr/>
+          <a:lstStyle/>
+          <a:p>
+            <a:pPr/>
+            <a:r>
+              <a:t>In the beginning, we want to use the NetCat as a server to send the streaming data to Kafka, but we find it is difficult to transfer the socket stream into the spark stream by Kafka. </a:t>
+            </a:r>
+          </a:p>
+          <a:p>
+            <a:pPr/>
+          </a:p>
+          <a:p>
+            <a:pPr/>
+            <a:r>
+              <a:t>Then we choose read the csv.file to Kafka.</a:t>
+            </a:r>
+          </a:p>
+        </p:txBody>
+      </p:sp>
+      <p:sp>
+        <p:nvSpPr>
+          <p:cNvPr id="251" name="Kafka Problem"/>
+          <p:cNvSpPr txBox="1"/>
+          <p:nvPr>
+            <p:ph type="title"/>
+          </p:nvPr>
+        </p:nvSpPr>
+        <p:spPr>
+          <a:prstGeom prst="rect">
+            <a:avLst/>
+          </a:prstGeom>
+        </p:spPr>
+        <p:txBody>
+          <a:bodyPr/>
+          <a:lstStyle/>
+          <a:p>
+            <a:pPr/>
+            <a:r>
+              <a:t>Kafka Problem</a:t>
+            </a:r>
+          </a:p>
+        </p:txBody>
+      </p:sp>
+    </p:spTree>
+  </p:cSld>
+  <p:clrMapOvr>
+    <a:masterClrMapping/>
+  </p:clrMapOvr>
+  <mc:AlternateContent xmlns:mc="http://schemas.openxmlformats.org/markup-compatibility/2006">
+    <mc:Choice xmlns:p14="http://schemas.microsoft.com/office/powerpoint/2010/main" Requires="p14">
+      <p:transition spd="med" advClick="1" p14:dur="1000">
+        <p:dissolve/>
+      </p:transition>
+    </mc:Choice>
+    <mc:Fallback>
+      <p:transition spd="med">
+        <p:fade/>
+      </p:transition>
+    </mc:Fallback>
+  </mc:AlternateContent>
+</p:sld>
+</file>
+
+<file path=ppt/slides/slide16.xml><?xml version="1.0" encoding="utf-8"?>
+<p:sld xmlns:a="http://schemas.openxmlformats.org/drawingml/2006/main" xmlns:r="http://schemas.openxmlformats.org/officeDocument/2006/relationships" xmlns:p="http://schemas.openxmlformats.org/presentationml/2006/main" showMasterSp="1" showMasterPhAnim="1">
+  <p:cSld>
+    <p:spTree>
+      <p:nvGrpSpPr>
+        <p:cNvPr id="1" name=""/>
+        <p:cNvGrpSpPr/>
+        <p:nvPr/>
+      </p:nvGrpSpPr>
+      <p:grpSpPr>
+        <a:xfrm>
+          <a:off x="0" y="0"/>
+          <a:ext cx="0" cy="0"/>
+          <a:chOff x="0" y="0"/>
+          <a:chExt cx="0" cy="0"/>
+        </a:xfrm>
+      </p:grpSpPr>
+      <p:sp>
+        <p:nvSpPr>
+          <p:cNvPr id="253" name="Using schema of for the streaming data will cause error when create table.…"/>
+          <p:cNvSpPr txBox="1"/>
+          <p:nvPr>
+            <p:ph type="body" idx="1"/>
+          </p:nvPr>
+        </p:nvSpPr>
+        <p:spPr>
+          <a:prstGeom prst="rect">
+            <a:avLst/>
+          </a:prstGeom>
+        </p:spPr>
+        <p:txBody>
+          <a:bodyPr/>
+          <a:lstStyle/>
+          <a:p>
+            <a:pPr/>
+            <a:r>
+              <a:t>Using </a:t>
+            </a:r>
+            <a:r>
+              <a:rPr b="1"/>
+              <a:t>schema</a:t>
+            </a:r>
+            <a:r>
+              <a:t> of for the streaming data will cause error when create table.</a:t>
+            </a:r>
+          </a:p>
+          <a:p>
+            <a:pPr/>
+          </a:p>
+          <a:p>
+            <a:pPr/>
+            <a:r>
+              <a:t>Then we use </a:t>
+            </a:r>
+            <a:r>
+              <a:rPr b="1"/>
+              <a:t>Spark Session</a:t>
+            </a:r>
+            <a:r>
+              <a:t> to create data frame with </a:t>
+            </a:r>
+            <a:r>
+              <a:rPr b="1"/>
+              <a:t>Row</a:t>
+            </a:r>
+            <a:r>
+              <a:t>, then store into hive.</a:t>
+            </a:r>
+          </a:p>
+        </p:txBody>
+      </p:sp>
+      <p:sp>
+        <p:nvSpPr>
+          <p:cNvPr id="254" name="Spark SQL Problem"/>
+          <p:cNvSpPr txBox="1"/>
+          <p:nvPr>
+            <p:ph type="title"/>
+          </p:nvPr>
+        </p:nvSpPr>
+        <p:spPr>
+          <a:prstGeom prst="rect">
+            <a:avLst/>
+          </a:prstGeom>
+        </p:spPr>
+        <p:txBody>
+          <a:bodyPr/>
+          <a:lstStyle/>
+          <a:p>
+            <a:pPr lvl="1"/>
+            <a:r>
+              <a:t>Spark SQL Problem</a:t>
+            </a:r>
+          </a:p>
+        </p:txBody>
+      </p:sp>
+    </p:spTree>
+  </p:cSld>
+  <p:clrMapOvr>
+    <a:masterClrMapping/>
+  </p:clrMapOvr>
+  <p:transition xmlns:p14="http://schemas.microsoft.com/office/powerpoint/2010/main" spd="med" advClick="1"/>
+</p:sld>
+</file>
+
+<file path=ppt/slides/slide17.xml><?xml version="1.0" encoding="utf-8"?>
+<p:sld xmlns:a="http://schemas.openxmlformats.org/drawingml/2006/main" xmlns:r="http://schemas.openxmlformats.org/officeDocument/2006/relationships" xmlns:p="http://schemas.openxmlformats.org/presentationml/2006/main" showMasterSp="1" showMasterPhAnim="1">
+  <p:cSld>
+    <p:spTree>
+      <p:nvGrpSpPr>
+        <p:cNvPr id="1" name=""/>
+        <p:cNvGrpSpPr/>
+        <p:nvPr/>
+      </p:nvGrpSpPr>
+      <p:grpSpPr>
+        <a:xfrm>
+          <a:off x="0" y="0"/>
+          <a:ext cx="0" cy="0"/>
+          <a:chOff x="0" y="0"/>
+          <a:chExt cx="0" cy="0"/>
+        </a:xfrm>
+      </p:grpSpPr>
+      <p:sp>
+        <p:nvSpPr>
           <p:cNvPr id="256" name="Content Placeholder 2"/>
           <p:cNvSpPr txBox="1"/>
           <p:nvPr>
@@ -5582,6 +5639,222 @@
           <a:p>
             <a:pPr/>
             <a:r>
+              <a:t>Companies and genre are in json format, how to parse/convert json to RDD is a problem</a:t>
+            </a:r>
+          </a:p>
+          <a:p>
+            <a:pPr/>
+            <a:r>
+              <a:t>First parse json into dict</a:t>
+            </a:r>
+          </a:p>
+          <a:p>
+            <a:pPr/>
+            <a:r>
+              <a:t>Then convert dict into list</a:t>
+            </a:r>
+          </a:p>
+          <a:p>
+            <a:pPr/>
+            <a:r>
+              <a:t>Flat map last</a:t>
+            </a:r>
+          </a:p>
+        </p:txBody>
+      </p:sp>
+      <p:sp>
+        <p:nvSpPr>
+          <p:cNvPr id="257" name="Title 1"/>
+          <p:cNvSpPr txBox="1"/>
+          <p:nvPr>
+            <p:ph type="title"/>
+          </p:nvPr>
+        </p:nvSpPr>
+        <p:spPr>
+          <a:xfrm>
+            <a:off x="1218883" y="431800"/>
+            <a:ext cx="9751060" cy="1168400"/>
+          </a:xfrm>
+          <a:prstGeom prst="rect">
+            <a:avLst/>
+          </a:prstGeom>
+        </p:spPr>
+        <p:txBody>
+          <a:bodyPr/>
+          <a:lstStyle/>
+          <a:p>
+            <a:pPr/>
+            <a:r>
+              <a:t>Data problems</a:t>
+            </a:r>
+          </a:p>
+        </p:txBody>
+      </p:sp>
+      <p:pic>
+        <p:nvPicPr>
+          <p:cNvPr id="258" name="Picture 3" descr="Picture 3"/>
+          <p:cNvPicPr>
+            <a:picLocks noChangeAspect="1"/>
+          </p:cNvPicPr>
+          <p:nvPr/>
+        </p:nvPicPr>
+        <p:blipFill>
+          <a:blip r:embed="rId2">
+            <a:extLst/>
+          </a:blip>
+          <a:stretch>
+            <a:fillRect/>
+          </a:stretch>
+        </p:blipFill>
+        <p:spPr>
+          <a:xfrm>
+            <a:off x="5632134" y="2401454"/>
+            <a:ext cx="5334001" cy="1535546"/>
+          </a:xfrm>
+          <a:prstGeom prst="rect">
+            <a:avLst/>
+          </a:prstGeom>
+          <a:ln w="12700">
+            <a:miter lim="400000"/>
+          </a:ln>
+        </p:spPr>
+      </p:pic>
+      <p:pic>
+        <p:nvPicPr>
+          <p:cNvPr id="259" name="Picture 5" descr="Picture 5"/>
+          <p:cNvPicPr>
+            <a:picLocks noChangeAspect="1"/>
+          </p:cNvPicPr>
+          <p:nvPr/>
+        </p:nvPicPr>
+        <p:blipFill>
+          <a:blip r:embed="rId3">
+            <a:extLst/>
+          </a:blip>
+          <a:stretch>
+            <a:fillRect/>
+          </a:stretch>
+        </p:blipFill>
+        <p:spPr>
+          <a:xfrm>
+            <a:off x="731837" y="4372840"/>
+            <a:ext cx="2409826" cy="1057276"/>
+          </a:xfrm>
+          <a:prstGeom prst="rect">
+            <a:avLst/>
+          </a:prstGeom>
+          <a:ln w="12700">
+            <a:miter lim="400000"/>
+          </a:ln>
+        </p:spPr>
+      </p:pic>
+      <p:pic>
+        <p:nvPicPr>
+          <p:cNvPr id="260" name="Picture 6" descr="Picture 6"/>
+          <p:cNvPicPr>
+            <a:picLocks noChangeAspect="1"/>
+          </p:cNvPicPr>
+          <p:nvPr/>
+        </p:nvPicPr>
+        <p:blipFill>
+          <a:blip r:embed="rId4">
+            <a:extLst/>
+          </a:blip>
+          <a:stretch>
+            <a:fillRect/>
+          </a:stretch>
+        </p:blipFill>
+        <p:spPr>
+          <a:xfrm>
+            <a:off x="3111500" y="4384675"/>
+            <a:ext cx="3524250" cy="1238250"/>
+          </a:xfrm>
+          <a:prstGeom prst="rect">
+            <a:avLst/>
+          </a:prstGeom>
+          <a:ln w="12700">
+            <a:miter lim="400000"/>
+          </a:ln>
+        </p:spPr>
+      </p:pic>
+      <p:pic>
+        <p:nvPicPr>
+          <p:cNvPr id="261" name="Picture 7" descr="Picture 7"/>
+          <p:cNvPicPr>
+            <a:picLocks noChangeAspect="1"/>
+          </p:cNvPicPr>
+          <p:nvPr/>
+        </p:nvPicPr>
+        <p:blipFill>
+          <a:blip r:embed="rId5">
+            <a:extLst/>
+          </a:blip>
+          <a:stretch>
+            <a:fillRect/>
+          </a:stretch>
+        </p:blipFill>
+        <p:spPr>
+          <a:xfrm>
+            <a:off x="5923279" y="4384675"/>
+            <a:ext cx="5210176" cy="457200"/>
+          </a:xfrm>
+          <a:prstGeom prst="rect">
+            <a:avLst/>
+          </a:prstGeom>
+          <a:ln w="12700">
+            <a:miter lim="400000"/>
+          </a:ln>
+        </p:spPr>
+      </p:pic>
+    </p:spTree>
+  </p:cSld>
+  <p:clrMapOvr>
+    <a:masterClrMapping/>
+  </p:clrMapOvr>
+  <p:transition xmlns:p14="http://schemas.microsoft.com/office/powerpoint/2010/main" spd="med" advClick="1"/>
+</p:sld>
+</file>
+
+<file path=ppt/slides/slide18.xml><?xml version="1.0" encoding="utf-8"?>
+<p:sld xmlns:a="http://schemas.openxmlformats.org/drawingml/2006/main" xmlns:r="http://schemas.openxmlformats.org/officeDocument/2006/relationships" xmlns:p="http://schemas.openxmlformats.org/presentationml/2006/main" showMasterSp="1" showMasterPhAnim="1">
+  <p:cSld>
+    <p:spTree>
+      <p:nvGrpSpPr>
+        <p:cNvPr id="1" name=""/>
+        <p:cNvGrpSpPr/>
+        <p:nvPr/>
+      </p:nvGrpSpPr>
+      <p:grpSpPr>
+        <a:xfrm>
+          <a:off x="0" y="0"/>
+          <a:ext cx="0" cy="0"/>
+          <a:chOff x="0" y="0"/>
+          <a:chExt cx="0" cy="0"/>
+        </a:xfrm>
+      </p:grpSpPr>
+      <p:sp>
+        <p:nvSpPr>
+          <p:cNvPr id="263" name="Content Placeholder 2"/>
+          <p:cNvSpPr txBox="1"/>
+          <p:nvPr>
+            <p:ph type="body" idx="1"/>
+          </p:nvPr>
+        </p:nvSpPr>
+        <p:spPr>
+          <a:xfrm>
+            <a:off x="1218883" y="1803400"/>
+            <a:ext cx="9751060" cy="4267200"/>
+          </a:xfrm>
+          <a:prstGeom prst="rect">
+            <a:avLst/>
+          </a:prstGeom>
+        </p:spPr>
+        <p:txBody>
+          <a:bodyPr/>
+          <a:lstStyle/>
+          <a:p>
+            <a:pPr/>
+            <a:r>
               <a:t>How to install Plotly?</a:t>
             </a:r>
           </a:p>
@@ -5634,7 +5907,7 @@
       </p:sp>
       <p:sp>
         <p:nvSpPr>
-          <p:cNvPr id="257" name="Title 1"/>
+          <p:cNvPr id="264" name="Title 1"/>
           <p:cNvSpPr txBox="1"/>
           <p:nvPr>
             <p:ph type="title"/>
@@ -7883,8 +8156,8 @@
         </p:nvSpPr>
         <p:spPr>
           <a:xfrm>
-            <a:off x="1218882" y="431800"/>
-            <a:ext cx="9751061" cy="1168400"/>
+            <a:off x="1214119" y="431800"/>
+            <a:ext cx="9751062" cy="1168400"/>
           </a:xfrm>
           <a:prstGeom prst="rect">
             <a:avLst/>
@@ -7919,66 +8192,8 @@
         </p:blipFill>
         <p:spPr>
           <a:xfrm>
-            <a:off x="2482850" y="1644650"/>
-            <a:ext cx="7213600" cy="2146300"/>
-          </a:xfrm>
-          <a:prstGeom prst="rect">
-            <a:avLst/>
-          </a:prstGeom>
-          <a:ln w="12700">
-            <a:miter lim="400000"/>
-          </a:ln>
-        </p:spPr>
-      </p:pic>
-      <p:pic>
-        <p:nvPicPr>
-          <p:cNvPr id="224" name="Image" descr="Image"/>
-          <p:cNvPicPr>
-            <a:picLocks noChangeAspect="1"/>
-          </p:cNvPicPr>
-          <p:nvPr/>
-        </p:nvPicPr>
-        <p:blipFill>
-          <a:blip r:embed="rId3">
-            <a:extLst/>
-          </a:blip>
-          <a:stretch>
-            <a:fillRect/>
-          </a:stretch>
-        </p:blipFill>
-        <p:spPr>
-          <a:xfrm>
-            <a:off x="2508250" y="3835400"/>
-            <a:ext cx="5867400" cy="914400"/>
-          </a:xfrm>
-          <a:prstGeom prst="rect">
-            <a:avLst/>
-          </a:prstGeom>
-          <a:ln w="12700">
-            <a:miter lim="400000"/>
-          </a:ln>
-        </p:spPr>
-      </p:pic>
-      <p:pic>
-        <p:nvPicPr>
-          <p:cNvPr id="225" name="Image" descr="Image"/>
-          <p:cNvPicPr>
-            <a:picLocks noChangeAspect="1"/>
-          </p:cNvPicPr>
-          <p:nvPr/>
-        </p:nvPicPr>
-        <p:blipFill>
-          <a:blip r:embed="rId4">
-            <a:extLst/>
-          </a:blip>
-          <a:stretch>
-            <a:fillRect/>
-          </a:stretch>
-        </p:blipFill>
-        <p:spPr>
-          <a:xfrm>
-            <a:off x="2489200" y="4794250"/>
-            <a:ext cx="7200900" cy="787400"/>
+            <a:off x="1054100" y="2057400"/>
+            <a:ext cx="10477500" cy="2743200"/>
           </a:xfrm>
           <a:prstGeom prst="rect">
             <a:avLst/>
@@ -8016,17 +8231,13 @@
       </p:grpSpPr>
       <p:sp>
         <p:nvSpPr>
-          <p:cNvPr id="227" name="Demo - Communicate with Kafka"/>
+          <p:cNvPr id="225" name="Set log4j level"/>
           <p:cNvSpPr txBox="1"/>
           <p:nvPr>
             <p:ph type="title"/>
           </p:nvPr>
         </p:nvSpPr>
         <p:spPr>
-          <a:xfrm>
-            <a:off x="1218882" y="431800"/>
-            <a:ext cx="9751061" cy="1168400"/>
-          </a:xfrm>
           <a:prstGeom prst="rect">
             <a:avLst/>
           </a:prstGeom>
@@ -8037,14 +8248,14 @@
           <a:p>
             <a:pPr/>
             <a:r>
-              <a:t>Demo - Communicate with Kafka</a:t>
+              <a:t>Set log4j level</a:t>
             </a:r>
           </a:p>
         </p:txBody>
       </p:sp>
       <p:pic>
         <p:nvPicPr>
-          <p:cNvPr id="228" name="Image" descr="Image"/>
+          <p:cNvPr id="226" name="Image" descr="Image"/>
           <p:cNvPicPr>
             <a:picLocks noChangeAspect="1"/>
           </p:cNvPicPr>
@@ -8060,8 +8271,8 @@
         </p:blipFill>
         <p:spPr>
           <a:xfrm>
-            <a:off x="1329109" y="1746286"/>
-            <a:ext cx="9521082" cy="3892668"/>
+            <a:off x="1183151" y="2344139"/>
+            <a:ext cx="9354434" cy="1770661"/>
           </a:xfrm>
           <a:prstGeom prst="rect">
             <a:avLst/>
@@ -8099,7 +8310,7 @@
       </p:grpSpPr>
       <p:sp>
         <p:nvSpPr>
-          <p:cNvPr id="230" name="Demo - store data in hive"/>
+          <p:cNvPr id="228" name="Demo - Communicate with Kafka"/>
           <p:cNvSpPr txBox="1"/>
           <p:nvPr>
             <p:ph type="title"/>
@@ -8120,14 +8331,14 @@
           <a:p>
             <a:pPr/>
             <a:r>
-              <a:t>Demo - store data in hive</a:t>
+              <a:t>Demo - Communicate with Kafka</a:t>
             </a:r>
           </a:p>
         </p:txBody>
       </p:sp>
       <p:pic>
         <p:nvPicPr>
-          <p:cNvPr id="231" name="Image" descr="Image"/>
+          <p:cNvPr id="229" name="Image" descr="Image"/>
           <p:cNvPicPr>
             <a:picLocks noChangeAspect="1"/>
           </p:cNvPicPr>
@@ -8143,8 +8354,8 @@
         </p:blipFill>
         <p:spPr>
           <a:xfrm>
-            <a:off x="3835400" y="2673350"/>
-            <a:ext cx="4508500" cy="1511300"/>
+            <a:off x="1176709" y="1725761"/>
+            <a:ext cx="10285731" cy="4205293"/>
           </a:xfrm>
           <a:prstGeom prst="rect">
             <a:avLst/>
